--- a/hss-cam-slide.pptx
+++ b/hss-cam-slide.pptx
@@ -5,7 +5,7 @@
     <p:sldMasterId id="2147483648" r:id="rId1"/>
   </p:sldMasterIdLst>
   <p:notesMasterIdLst>
-    <p:notesMasterId r:id="rId12"/>
+    <p:notesMasterId r:id="rId14"/>
   </p:notesMasterIdLst>
   <p:sldIdLst>
     <p:sldId id="256" r:id="rId2"/>
@@ -16,8 +16,10 @@
     <p:sldId id="261" r:id="rId7"/>
     <p:sldId id="263" r:id="rId8"/>
     <p:sldId id="262" r:id="rId9"/>
-    <p:sldId id="264" r:id="rId10"/>
+    <p:sldId id="266" r:id="rId10"/>
     <p:sldId id="265" r:id="rId11"/>
+    <p:sldId id="267" r:id="rId12"/>
+    <p:sldId id="268" r:id="rId13"/>
   </p:sldIdLst>
   <p:sldSz cx="12192000" cy="6858000"/>
   <p:notesSz cx="6858000" cy="9144000"/>
@@ -206,7 +208,7 @@
           <a:p>
             <a:fld id="{C18DD8D0-0CEA-413A-9D7E-5B8DFC7545B2}" type="datetimeFigureOut">
               <a:rPr lang="en-US" smtClean="0"/>
-              <a:t>27/10/2016</a:t>
+              <a:t>28/10/2016</a:t>
             </a:fld>
             <a:endParaRPr lang="en-US"/>
           </a:p>
@@ -642,6 +644,174 @@
 </p:notes>
 </file>
 
+<file path=ppt/notesSlides/notesSlide11.xml><?xml version="1.0" encoding="utf-8"?>
+<p:notes xmlns:a="http://schemas.openxmlformats.org/drawingml/2006/main" xmlns:r="http://schemas.openxmlformats.org/officeDocument/2006/relationships" xmlns:p="http://schemas.openxmlformats.org/presentationml/2006/main">
+  <p:cSld>
+    <p:spTree>
+      <p:nvGrpSpPr>
+        <p:cNvPr id="1" name=""/>
+        <p:cNvGrpSpPr/>
+        <p:nvPr/>
+      </p:nvGrpSpPr>
+      <p:grpSpPr>
+        <a:xfrm>
+          <a:off x="0" y="0"/>
+          <a:ext cx="0" cy="0"/>
+          <a:chOff x="0" y="0"/>
+          <a:chExt cx="0" cy="0"/>
+        </a:xfrm>
+      </p:grpSpPr>
+      <p:sp>
+        <p:nvSpPr>
+          <p:cNvPr id="2" name="Slide Image Placeholder 1"/>
+          <p:cNvSpPr>
+            <a:spLocks noGrp="1" noRot="1" noChangeAspect="1"/>
+          </p:cNvSpPr>
+          <p:nvPr>
+            <p:ph type="sldImg"/>
+          </p:nvPr>
+        </p:nvSpPr>
+        <p:spPr/>
+      </p:sp>
+      <p:sp>
+        <p:nvSpPr>
+          <p:cNvPr id="3" name="Notes Placeholder 2"/>
+          <p:cNvSpPr>
+            <a:spLocks noGrp="1"/>
+          </p:cNvSpPr>
+          <p:nvPr>
+            <p:ph type="body" idx="1"/>
+          </p:nvPr>
+        </p:nvSpPr>
+        <p:spPr/>
+        <p:txBody>
+          <a:bodyPr/>
+          <a:lstStyle/>
+          <a:p>
+            <a:endParaRPr lang="en-US" dirty="0"/>
+          </a:p>
+        </p:txBody>
+      </p:sp>
+      <p:sp>
+        <p:nvSpPr>
+          <p:cNvPr id="4" name="Slide Number Placeholder 3"/>
+          <p:cNvSpPr>
+            <a:spLocks noGrp="1"/>
+          </p:cNvSpPr>
+          <p:nvPr>
+            <p:ph type="sldNum" sz="quarter" idx="10"/>
+          </p:nvPr>
+        </p:nvSpPr>
+        <p:spPr/>
+        <p:txBody>
+          <a:bodyPr/>
+          <a:lstStyle/>
+          <a:p>
+            <a:fld id="{3CE18635-EC61-4BCD-901F-96E58E3CC318}" type="slidenum">
+              <a:rPr lang="en-US" smtClean="0"/>
+              <a:t>11</a:t>
+            </a:fld>
+            <a:endParaRPr lang="en-US"/>
+          </a:p>
+        </p:txBody>
+      </p:sp>
+    </p:spTree>
+    <p:extLst>
+      <p:ext uri="{BB962C8B-B14F-4D97-AF65-F5344CB8AC3E}">
+        <p14:creationId xmlns:p14="http://schemas.microsoft.com/office/powerpoint/2010/main" val="1064346997"/>
+      </p:ext>
+    </p:extLst>
+  </p:cSld>
+  <p:clrMapOvr>
+    <a:masterClrMapping/>
+  </p:clrMapOvr>
+</p:notes>
+</file>
+
+<file path=ppt/notesSlides/notesSlide12.xml><?xml version="1.0" encoding="utf-8"?>
+<p:notes xmlns:a="http://schemas.openxmlformats.org/drawingml/2006/main" xmlns:r="http://schemas.openxmlformats.org/officeDocument/2006/relationships" xmlns:p="http://schemas.openxmlformats.org/presentationml/2006/main">
+  <p:cSld>
+    <p:spTree>
+      <p:nvGrpSpPr>
+        <p:cNvPr id="1" name=""/>
+        <p:cNvGrpSpPr/>
+        <p:nvPr/>
+      </p:nvGrpSpPr>
+      <p:grpSpPr>
+        <a:xfrm>
+          <a:off x="0" y="0"/>
+          <a:ext cx="0" cy="0"/>
+          <a:chOff x="0" y="0"/>
+          <a:chExt cx="0" cy="0"/>
+        </a:xfrm>
+      </p:grpSpPr>
+      <p:sp>
+        <p:nvSpPr>
+          <p:cNvPr id="2" name="Slide Image Placeholder 1"/>
+          <p:cNvSpPr>
+            <a:spLocks noGrp="1" noRot="1" noChangeAspect="1"/>
+          </p:cNvSpPr>
+          <p:nvPr>
+            <p:ph type="sldImg"/>
+          </p:nvPr>
+        </p:nvSpPr>
+        <p:spPr/>
+      </p:sp>
+      <p:sp>
+        <p:nvSpPr>
+          <p:cNvPr id="3" name="Notes Placeholder 2"/>
+          <p:cNvSpPr>
+            <a:spLocks noGrp="1"/>
+          </p:cNvSpPr>
+          <p:nvPr>
+            <p:ph type="body" idx="1"/>
+          </p:nvPr>
+        </p:nvSpPr>
+        <p:spPr/>
+        <p:txBody>
+          <a:bodyPr/>
+          <a:lstStyle/>
+          <a:p>
+            <a:endParaRPr lang="en-US" dirty="0"/>
+          </a:p>
+        </p:txBody>
+      </p:sp>
+      <p:sp>
+        <p:nvSpPr>
+          <p:cNvPr id="4" name="Slide Number Placeholder 3"/>
+          <p:cNvSpPr>
+            <a:spLocks noGrp="1"/>
+          </p:cNvSpPr>
+          <p:nvPr>
+            <p:ph type="sldNum" sz="quarter" idx="10"/>
+          </p:nvPr>
+        </p:nvSpPr>
+        <p:spPr/>
+        <p:txBody>
+          <a:bodyPr/>
+          <a:lstStyle/>
+          <a:p>
+            <a:fld id="{3CE18635-EC61-4BCD-901F-96E58E3CC318}" type="slidenum">
+              <a:rPr lang="en-US" smtClean="0"/>
+              <a:t>12</a:t>
+            </a:fld>
+            <a:endParaRPr lang="en-US"/>
+          </a:p>
+        </p:txBody>
+      </p:sp>
+    </p:spTree>
+    <p:extLst>
+      <p:ext uri="{BB962C8B-B14F-4D97-AF65-F5344CB8AC3E}">
+        <p14:creationId xmlns:p14="http://schemas.microsoft.com/office/powerpoint/2010/main" val="4252089414"/>
+      </p:ext>
+    </p:extLst>
+  </p:cSld>
+  <p:clrMapOvr>
+    <a:masterClrMapping/>
+  </p:clrMapOvr>
+</p:notes>
+</file>
+
 <file path=ppt/notesSlides/notesSlide2.xml><?xml version="1.0" encoding="utf-8"?>
 <p:notes xmlns:a="http://schemas.openxmlformats.org/drawingml/2006/main" xmlns:r="http://schemas.openxmlformats.org/officeDocument/2006/relationships" xmlns:p="http://schemas.openxmlformats.org/presentationml/2006/main">
   <p:cSld>
@@ -1304,7 +1474,7 @@
     </p:spTree>
     <p:extLst>
       <p:ext uri="{BB962C8B-B14F-4D97-AF65-F5344CB8AC3E}">
-        <p14:creationId xmlns:p14="http://schemas.microsoft.com/office/powerpoint/2010/main" val="1993321581"/>
+        <p14:creationId xmlns:p14="http://schemas.microsoft.com/office/powerpoint/2010/main" val="2869134981"/>
       </p:ext>
     </p:extLst>
   </p:cSld>
@@ -1445,7 +1615,7 @@
           <a:p>
             <a:fld id="{B58C14E5-B78E-4F8A-B9EF-4644DA442A21}" type="datetimeFigureOut">
               <a:rPr lang="en-US" smtClean="0"/>
-              <a:t>27/10/2016</a:t>
+              <a:t>28/10/2016</a:t>
             </a:fld>
             <a:endParaRPr lang="en-US"/>
           </a:p>
@@ -1615,7 +1785,7 @@
           <a:p>
             <a:fld id="{B58C14E5-B78E-4F8A-B9EF-4644DA442A21}" type="datetimeFigureOut">
               <a:rPr lang="en-US" smtClean="0"/>
-              <a:t>27/10/2016</a:t>
+              <a:t>28/10/2016</a:t>
             </a:fld>
             <a:endParaRPr lang="en-US"/>
           </a:p>
@@ -1795,7 +1965,7 @@
           <a:p>
             <a:fld id="{B58C14E5-B78E-4F8A-B9EF-4644DA442A21}" type="datetimeFigureOut">
               <a:rPr lang="en-US" smtClean="0"/>
-              <a:t>27/10/2016</a:t>
+              <a:t>28/10/2016</a:t>
             </a:fld>
             <a:endParaRPr lang="en-US"/>
           </a:p>
@@ -1965,7 +2135,7 @@
           <a:p>
             <a:fld id="{B58C14E5-B78E-4F8A-B9EF-4644DA442A21}" type="datetimeFigureOut">
               <a:rPr lang="en-US" smtClean="0"/>
-              <a:t>27/10/2016</a:t>
+              <a:t>28/10/2016</a:t>
             </a:fld>
             <a:endParaRPr lang="en-US"/>
           </a:p>
@@ -2211,7 +2381,7 @@
           <a:p>
             <a:fld id="{B58C14E5-B78E-4F8A-B9EF-4644DA442A21}" type="datetimeFigureOut">
               <a:rPr lang="en-US" smtClean="0"/>
-              <a:t>27/10/2016</a:t>
+              <a:t>28/10/2016</a:t>
             </a:fld>
             <a:endParaRPr lang="en-US"/>
           </a:p>
@@ -2443,7 +2613,7 @@
           <a:p>
             <a:fld id="{B58C14E5-B78E-4F8A-B9EF-4644DA442A21}" type="datetimeFigureOut">
               <a:rPr lang="en-US" smtClean="0"/>
-              <a:t>27/10/2016</a:t>
+              <a:t>28/10/2016</a:t>
             </a:fld>
             <a:endParaRPr lang="en-US"/>
           </a:p>
@@ -2810,7 +2980,7 @@
           <a:p>
             <a:fld id="{B58C14E5-B78E-4F8A-B9EF-4644DA442A21}" type="datetimeFigureOut">
               <a:rPr lang="en-US" smtClean="0"/>
-              <a:t>27/10/2016</a:t>
+              <a:t>28/10/2016</a:t>
             </a:fld>
             <a:endParaRPr lang="en-US"/>
           </a:p>
@@ -2928,7 +3098,7 @@
           <a:p>
             <a:fld id="{B58C14E5-B78E-4F8A-B9EF-4644DA442A21}" type="datetimeFigureOut">
               <a:rPr lang="en-US" smtClean="0"/>
-              <a:t>27/10/2016</a:t>
+              <a:t>28/10/2016</a:t>
             </a:fld>
             <a:endParaRPr lang="en-US"/>
           </a:p>
@@ -3023,7 +3193,7 @@
           <a:p>
             <a:fld id="{B58C14E5-B78E-4F8A-B9EF-4644DA442A21}" type="datetimeFigureOut">
               <a:rPr lang="en-US" smtClean="0"/>
-              <a:t>27/10/2016</a:t>
+              <a:t>28/10/2016</a:t>
             </a:fld>
             <a:endParaRPr lang="en-US"/>
           </a:p>
@@ -3300,7 +3470,7 @@
           <a:p>
             <a:fld id="{B58C14E5-B78E-4F8A-B9EF-4644DA442A21}" type="datetimeFigureOut">
               <a:rPr lang="en-US" smtClean="0"/>
-              <a:t>27/10/2016</a:t>
+              <a:t>28/10/2016</a:t>
             </a:fld>
             <a:endParaRPr lang="en-US"/>
           </a:p>
@@ -3553,7 +3723,7 @@
           <a:p>
             <a:fld id="{B58C14E5-B78E-4F8A-B9EF-4644DA442A21}" type="datetimeFigureOut">
               <a:rPr lang="en-US" smtClean="0"/>
-              <a:t>27/10/2016</a:t>
+              <a:t>28/10/2016</a:t>
             </a:fld>
             <a:endParaRPr lang="en-US"/>
           </a:p>
@@ -3774,7 +3944,7 @@
           <a:p>
             <a:fld id="{B58C14E5-B78E-4F8A-B9EF-4644DA442A21}" type="datetimeFigureOut">
               <a:rPr lang="en-US" smtClean="0"/>
-              <a:t>27/10/2016</a:t>
+              <a:t>28/10/2016</a:t>
             </a:fld>
             <a:endParaRPr lang="en-US"/>
           </a:p>
@@ -4838,6 +5008,530 @@
 </p:sld>
 </file>
 
+<file path=ppt/slides/slide11.xml><?xml version="1.0" encoding="utf-8"?>
+<p:sld xmlns:a="http://schemas.openxmlformats.org/drawingml/2006/main" xmlns:r="http://schemas.openxmlformats.org/officeDocument/2006/relationships" xmlns:p="http://schemas.openxmlformats.org/presentationml/2006/main">
+  <p:cSld>
+    <p:spTree>
+      <p:nvGrpSpPr>
+        <p:cNvPr id="1" name=""/>
+        <p:cNvGrpSpPr/>
+        <p:nvPr/>
+      </p:nvGrpSpPr>
+      <p:grpSpPr>
+        <a:xfrm>
+          <a:off x="0" y="0"/>
+          <a:ext cx="0" cy="0"/>
+          <a:chOff x="0" y="0"/>
+          <a:chExt cx="0" cy="0"/>
+        </a:xfrm>
+      </p:grpSpPr>
+      <p:pic>
+        <p:nvPicPr>
+          <p:cNvPr id="1026" name="Picture 2" descr="https://top10geeks.com/wp-content/uploads/2016/05/security-cameras.jpg"/>
+          <p:cNvPicPr>
+            <a:picLocks noChangeAspect="1" noChangeArrowheads="1"/>
+          </p:cNvPicPr>
+          <p:nvPr/>
+        </p:nvPicPr>
+        <p:blipFill rotWithShape="1">
+          <a:blip r:embed="rId3" cstate="print">
+            <a:extLst>
+              <a:ext uri="{28A0092B-C50C-407E-A947-70E740481C1C}">
+                <a14:useLocalDpi xmlns:a14="http://schemas.microsoft.com/office/drawing/2010/main" val="0"/>
+              </a:ext>
+            </a:extLst>
+          </a:blip>
+          <a:srcRect t="1439" b="18248"/>
+          <a:stretch/>
+        </p:blipFill>
+        <p:spPr bwMode="auto">
+          <a:xfrm>
+            <a:off x="-1534" y="0"/>
+            <a:ext cx="12193534" cy="6439437"/>
+          </a:xfrm>
+          <a:prstGeom prst="rect">
+            <a:avLst/>
+          </a:prstGeom>
+          <a:noFill/>
+          <a:extLst>
+            <a:ext uri="{909E8E84-426E-40DD-AFC4-6F175D3DCCD1}">
+              <a14:hiddenFill xmlns:a14="http://schemas.microsoft.com/office/drawing/2010/main">
+                <a:solidFill>
+                  <a:srgbClr val="FFFFFF"/>
+                </a:solidFill>
+              </a14:hiddenFill>
+            </a:ext>
+          </a:extLst>
+        </p:spPr>
+      </p:pic>
+      <p:pic>
+        <p:nvPicPr>
+          <p:cNvPr id="9" name="Picture 8"/>
+          <p:cNvPicPr>
+            <a:picLocks noChangeAspect="1"/>
+          </p:cNvPicPr>
+          <p:nvPr/>
+        </p:nvPicPr>
+        <p:blipFill rotWithShape="1">
+          <a:blip r:embed="rId4">
+            <a:extLst>
+              <a:ext uri="{28A0092B-C50C-407E-A947-70E740481C1C}">
+                <a14:useLocalDpi xmlns:a14="http://schemas.microsoft.com/office/drawing/2010/main" val="0"/>
+              </a:ext>
+            </a:extLst>
+          </a:blip>
+          <a:srcRect l="870" r="-773"/>
+          <a:stretch/>
+        </p:blipFill>
+        <p:spPr>
+          <a:xfrm>
+            <a:off x="285750" y="1409700"/>
+            <a:ext cx="11906250" cy="5029737"/>
+          </a:xfrm>
+          <a:prstGeom prst="rect">
+            <a:avLst/>
+          </a:prstGeom>
+        </p:spPr>
+      </p:pic>
+      <p:sp>
+        <p:nvSpPr>
+          <p:cNvPr id="5" name="TextBox 4"/>
+          <p:cNvSpPr txBox="1"/>
+          <p:nvPr/>
+        </p:nvSpPr>
+        <p:spPr>
+          <a:xfrm>
+            <a:off x="0" y="6465301"/>
+            <a:ext cx="3344890" cy="369332"/>
+          </a:xfrm>
+          <a:prstGeom prst="rect">
+            <a:avLst/>
+          </a:prstGeom>
+          <a:noFill/>
+        </p:spPr>
+        <p:txBody>
+          <a:bodyPr wrap="none" rtlCol="0">
+            <a:spAutoFit/>
+          </a:bodyPr>
+          <a:lstStyle/>
+          <a:p>
+            <a:r>
+              <a:rPr lang="en-US" dirty="0" smtClean="0"/>
+              <a:t>	TEAM2 | HSS - CAMERA</a:t>
+            </a:r>
+            <a:endParaRPr lang="en-US" dirty="0"/>
+          </a:p>
+        </p:txBody>
+      </p:sp>
+      <p:sp>
+        <p:nvSpPr>
+          <p:cNvPr id="6" name="TextBox 5"/>
+          <p:cNvSpPr txBox="1"/>
+          <p:nvPr/>
+        </p:nvSpPr>
+        <p:spPr>
+          <a:xfrm>
+            <a:off x="10891644" y="6465302"/>
+            <a:ext cx="1300356" cy="369332"/>
+          </a:xfrm>
+          <a:prstGeom prst="rect">
+            <a:avLst/>
+          </a:prstGeom>
+          <a:noFill/>
+        </p:spPr>
+        <p:txBody>
+          <a:bodyPr wrap="none" rtlCol="0">
+            <a:spAutoFit/>
+          </a:bodyPr>
+          <a:lstStyle/>
+          <a:p>
+            <a:r>
+              <a:rPr lang="en-US" dirty="0" smtClean="0"/>
+              <a:t>29/10/2016</a:t>
+            </a:r>
+            <a:endParaRPr lang="en-US" dirty="0"/>
+          </a:p>
+        </p:txBody>
+      </p:sp>
+      <p:sp>
+        <p:nvSpPr>
+          <p:cNvPr id="2" name="Rectangle 1"/>
+          <p:cNvSpPr/>
+          <p:nvPr/>
+        </p:nvSpPr>
+        <p:spPr>
+          <a:xfrm>
+            <a:off x="361950" y="698571"/>
+            <a:ext cx="8210550" cy="679308"/>
+          </a:xfrm>
+          <a:prstGeom prst="rect">
+            <a:avLst/>
+          </a:prstGeom>
+          <a:solidFill>
+            <a:schemeClr val="bg1">
+              <a:alpha val="85000"/>
+            </a:schemeClr>
+          </a:solidFill>
+        </p:spPr>
+        <p:style>
+          <a:lnRef idx="2">
+            <a:schemeClr val="accent1">
+              <a:shade val="50000"/>
+            </a:schemeClr>
+          </a:lnRef>
+          <a:fillRef idx="1">
+            <a:schemeClr val="accent1"/>
+          </a:fillRef>
+          <a:effectRef idx="0">
+            <a:schemeClr val="accent1"/>
+          </a:effectRef>
+          <a:fontRef idx="minor">
+            <a:schemeClr val="lt1"/>
+          </a:fontRef>
+        </p:style>
+        <p:txBody>
+          <a:bodyPr rtlCol="0" anchor="ctr"/>
+          <a:lstStyle/>
+          <a:p>
+            <a:pPr algn="ctr"/>
+            <a:endParaRPr lang="en-US"/>
+          </a:p>
+        </p:txBody>
+      </p:sp>
+      <p:sp>
+        <p:nvSpPr>
+          <p:cNvPr id="11" name="Title 10"/>
+          <p:cNvSpPr>
+            <a:spLocks noGrp="1"/>
+          </p:cNvSpPr>
+          <p:nvPr>
+            <p:ph type="title"/>
+          </p:nvPr>
+        </p:nvSpPr>
+        <p:spPr/>
+        <p:txBody>
+          <a:bodyPr/>
+          <a:lstStyle/>
+          <a:p>
+            <a:r>
+              <a:rPr lang="en-US" dirty="0" smtClean="0"/>
+              <a:t>Demo</a:t>
+            </a:r>
+            <a:endParaRPr lang="en-US" dirty="0"/>
+          </a:p>
+        </p:txBody>
+      </p:sp>
+      <p:sp>
+        <p:nvSpPr>
+          <p:cNvPr id="3" name="Content Placeholder 2"/>
+          <p:cNvSpPr>
+            <a:spLocks noGrp="1"/>
+          </p:cNvSpPr>
+          <p:nvPr>
+            <p:ph idx="1"/>
+          </p:nvPr>
+        </p:nvSpPr>
+        <p:spPr/>
+        <p:txBody>
+          <a:bodyPr>
+            <a:normAutofit/>
+          </a:bodyPr>
+          <a:lstStyle/>
+          <a:p>
+            <a:endParaRPr lang="en-US" sz="3600" dirty="0"/>
+          </a:p>
+        </p:txBody>
+      </p:sp>
+    </p:spTree>
+    <p:extLst>
+      <p:ext uri="{BB962C8B-B14F-4D97-AF65-F5344CB8AC3E}">
+        <p14:creationId xmlns:p14="http://schemas.microsoft.com/office/powerpoint/2010/main" val="3331222464"/>
+      </p:ext>
+    </p:extLst>
+  </p:cSld>
+  <p:clrMapOvr>
+    <a:masterClrMapping/>
+  </p:clrMapOvr>
+  <p:timing>
+    <p:tnLst>
+      <p:par>
+        <p:cTn id="1" dur="indefinite" restart="never" nodeType="tmRoot"/>
+      </p:par>
+    </p:tnLst>
+  </p:timing>
+</p:sld>
+</file>
+
+<file path=ppt/slides/slide12.xml><?xml version="1.0" encoding="utf-8"?>
+<p:sld xmlns:a="http://schemas.openxmlformats.org/drawingml/2006/main" xmlns:r="http://schemas.openxmlformats.org/officeDocument/2006/relationships" xmlns:p="http://schemas.openxmlformats.org/presentationml/2006/main">
+  <p:cSld>
+    <p:spTree>
+      <p:nvGrpSpPr>
+        <p:cNvPr id="1" name=""/>
+        <p:cNvGrpSpPr/>
+        <p:nvPr/>
+      </p:nvGrpSpPr>
+      <p:grpSpPr>
+        <a:xfrm>
+          <a:off x="0" y="0"/>
+          <a:ext cx="0" cy="0"/>
+          <a:chOff x="0" y="0"/>
+          <a:chExt cx="0" cy="0"/>
+        </a:xfrm>
+      </p:grpSpPr>
+      <p:pic>
+        <p:nvPicPr>
+          <p:cNvPr id="1026" name="Picture 2" descr="https://top10geeks.com/wp-content/uploads/2016/05/security-cameras.jpg"/>
+          <p:cNvPicPr>
+            <a:picLocks noChangeAspect="1" noChangeArrowheads="1"/>
+          </p:cNvPicPr>
+          <p:nvPr/>
+        </p:nvPicPr>
+        <p:blipFill rotWithShape="1">
+          <a:blip r:embed="rId3" cstate="print">
+            <a:extLst>
+              <a:ext uri="{28A0092B-C50C-407E-A947-70E740481C1C}">
+                <a14:useLocalDpi xmlns:a14="http://schemas.microsoft.com/office/drawing/2010/main" val="0"/>
+              </a:ext>
+            </a:extLst>
+          </a:blip>
+          <a:srcRect t="1439" b="18248"/>
+          <a:stretch/>
+        </p:blipFill>
+        <p:spPr bwMode="auto">
+          <a:xfrm>
+            <a:off x="-1534" y="0"/>
+            <a:ext cx="12193534" cy="6439437"/>
+          </a:xfrm>
+          <a:prstGeom prst="rect">
+            <a:avLst/>
+          </a:prstGeom>
+          <a:noFill/>
+          <a:extLst>
+            <a:ext uri="{909E8E84-426E-40DD-AFC4-6F175D3DCCD1}">
+              <a14:hiddenFill xmlns:a14="http://schemas.microsoft.com/office/drawing/2010/main">
+                <a:solidFill>
+                  <a:srgbClr val="FFFFFF"/>
+                </a:solidFill>
+              </a14:hiddenFill>
+            </a:ext>
+          </a:extLst>
+        </p:spPr>
+      </p:pic>
+      <p:pic>
+        <p:nvPicPr>
+          <p:cNvPr id="9" name="Picture 8"/>
+          <p:cNvPicPr>
+            <a:picLocks noChangeAspect="1"/>
+          </p:cNvPicPr>
+          <p:nvPr/>
+        </p:nvPicPr>
+        <p:blipFill rotWithShape="1">
+          <a:blip r:embed="rId4">
+            <a:extLst>
+              <a:ext uri="{28A0092B-C50C-407E-A947-70E740481C1C}">
+                <a14:useLocalDpi xmlns:a14="http://schemas.microsoft.com/office/drawing/2010/main" val="0"/>
+              </a:ext>
+            </a:extLst>
+          </a:blip>
+          <a:srcRect l="870" r="-773"/>
+          <a:stretch/>
+        </p:blipFill>
+        <p:spPr>
+          <a:xfrm>
+            <a:off x="285750" y="1409700"/>
+            <a:ext cx="11906250" cy="5029737"/>
+          </a:xfrm>
+          <a:prstGeom prst="rect">
+            <a:avLst/>
+          </a:prstGeom>
+        </p:spPr>
+      </p:pic>
+      <p:sp>
+        <p:nvSpPr>
+          <p:cNvPr id="5" name="TextBox 4"/>
+          <p:cNvSpPr txBox="1"/>
+          <p:nvPr/>
+        </p:nvSpPr>
+        <p:spPr>
+          <a:xfrm>
+            <a:off x="0" y="6465301"/>
+            <a:ext cx="3344890" cy="369332"/>
+          </a:xfrm>
+          <a:prstGeom prst="rect">
+            <a:avLst/>
+          </a:prstGeom>
+          <a:noFill/>
+        </p:spPr>
+        <p:txBody>
+          <a:bodyPr wrap="none" rtlCol="0">
+            <a:spAutoFit/>
+          </a:bodyPr>
+          <a:lstStyle/>
+          <a:p>
+            <a:r>
+              <a:rPr lang="en-US" dirty="0" smtClean="0"/>
+              <a:t>	TEAM2 | HSS - CAMERA</a:t>
+            </a:r>
+            <a:endParaRPr lang="en-US" dirty="0"/>
+          </a:p>
+        </p:txBody>
+      </p:sp>
+      <p:sp>
+        <p:nvSpPr>
+          <p:cNvPr id="6" name="TextBox 5"/>
+          <p:cNvSpPr txBox="1"/>
+          <p:nvPr/>
+        </p:nvSpPr>
+        <p:spPr>
+          <a:xfrm>
+            <a:off x="10891644" y="6465302"/>
+            <a:ext cx="1300356" cy="369332"/>
+          </a:xfrm>
+          <a:prstGeom prst="rect">
+            <a:avLst/>
+          </a:prstGeom>
+          <a:noFill/>
+        </p:spPr>
+        <p:txBody>
+          <a:bodyPr wrap="none" rtlCol="0">
+            <a:spAutoFit/>
+          </a:bodyPr>
+          <a:lstStyle/>
+          <a:p>
+            <a:r>
+              <a:rPr lang="en-US" dirty="0" smtClean="0"/>
+              <a:t>29/10/2016</a:t>
+            </a:r>
+            <a:endParaRPr lang="en-US" dirty="0"/>
+          </a:p>
+        </p:txBody>
+      </p:sp>
+      <p:sp>
+        <p:nvSpPr>
+          <p:cNvPr id="2" name="Rectangle 1"/>
+          <p:cNvSpPr/>
+          <p:nvPr/>
+        </p:nvSpPr>
+        <p:spPr>
+          <a:xfrm>
+            <a:off x="361950" y="698571"/>
+            <a:ext cx="8210550" cy="679308"/>
+          </a:xfrm>
+          <a:prstGeom prst="rect">
+            <a:avLst/>
+          </a:prstGeom>
+          <a:solidFill>
+            <a:schemeClr val="bg1">
+              <a:alpha val="85000"/>
+            </a:schemeClr>
+          </a:solidFill>
+        </p:spPr>
+        <p:style>
+          <a:lnRef idx="2">
+            <a:schemeClr val="accent1">
+              <a:shade val="50000"/>
+            </a:schemeClr>
+          </a:lnRef>
+          <a:fillRef idx="1">
+            <a:schemeClr val="accent1"/>
+          </a:fillRef>
+          <a:effectRef idx="0">
+            <a:schemeClr val="accent1"/>
+          </a:effectRef>
+          <a:fontRef idx="minor">
+            <a:schemeClr val="lt1"/>
+          </a:fontRef>
+        </p:style>
+        <p:txBody>
+          <a:bodyPr rtlCol="0" anchor="ctr"/>
+          <a:lstStyle/>
+          <a:p>
+            <a:pPr algn="ctr"/>
+            <a:endParaRPr lang="en-US"/>
+          </a:p>
+        </p:txBody>
+      </p:sp>
+      <p:sp>
+        <p:nvSpPr>
+          <p:cNvPr id="11" name="Title 10"/>
+          <p:cNvSpPr>
+            <a:spLocks noGrp="1"/>
+          </p:cNvSpPr>
+          <p:nvPr>
+            <p:ph type="title"/>
+          </p:nvPr>
+        </p:nvSpPr>
+        <p:spPr/>
+        <p:txBody>
+          <a:bodyPr/>
+          <a:lstStyle/>
+          <a:p>
+            <a:r>
+              <a:rPr lang="en-US" dirty="0" smtClean="0"/>
+              <a:t>THE END</a:t>
+            </a:r>
+            <a:endParaRPr lang="en-US" dirty="0"/>
+          </a:p>
+        </p:txBody>
+      </p:sp>
+      <p:sp>
+        <p:nvSpPr>
+          <p:cNvPr id="3" name="Content Placeholder 2"/>
+          <p:cNvSpPr>
+            <a:spLocks noGrp="1"/>
+          </p:cNvSpPr>
+          <p:nvPr>
+            <p:ph idx="1"/>
+          </p:nvPr>
+        </p:nvSpPr>
+        <p:spPr/>
+        <p:txBody>
+          <a:bodyPr>
+            <a:normAutofit/>
+          </a:bodyPr>
+          <a:lstStyle/>
+          <a:p>
+            <a:pPr marL="0" indent="0" algn="ctr">
+              <a:lnSpc>
+                <a:spcPct val="300000"/>
+              </a:lnSpc>
+              <a:buNone/>
+            </a:pPr>
+            <a:r>
+              <a:rPr lang="en-US" sz="4800" dirty="0" smtClean="0"/>
+              <a:t>Thank you for listening </a:t>
+            </a:r>
+            <a:r>
+              <a:rPr lang="en-US" sz="4800" dirty="0" smtClean="0">
+                <a:sym typeface="Wingdings" panose="05000000000000000000" pitchFamily="2" charset="2"/>
+              </a:rPr>
+              <a:t> </a:t>
+            </a:r>
+            <a:endParaRPr lang="en-US" sz="4800" dirty="0"/>
+          </a:p>
+        </p:txBody>
+      </p:sp>
+    </p:spTree>
+    <p:extLst>
+      <p:ext uri="{BB962C8B-B14F-4D97-AF65-F5344CB8AC3E}">
+        <p14:creationId xmlns:p14="http://schemas.microsoft.com/office/powerpoint/2010/main" val="767710097"/>
+      </p:ext>
+    </p:extLst>
+  </p:cSld>
+  <p:clrMapOvr>
+    <a:masterClrMapping/>
+  </p:clrMapOvr>
+  <p:timing>
+    <p:tnLst>
+      <p:par>
+        <p:cTn id="1" dur="indefinite" restart="never" nodeType="tmRoot"/>
+      </p:par>
+    </p:tnLst>
+  </p:timing>
+</p:sld>
+</file>
+
 <file path=ppt/slides/slide2.xml><?xml version="1.0" encoding="utf-8"?>
 <p:sld xmlns:a="http://schemas.openxmlformats.org/drawingml/2006/main" xmlns:r="http://schemas.openxmlformats.org/officeDocument/2006/relationships" xmlns:p="http://schemas.openxmlformats.org/presentationml/2006/main">
   <p:cSld>
@@ -5618,7 +6312,21 @@
                 <a:latin typeface="Roboto" panose="02000000000000000000" pitchFamily="2" charset="0"/>
                 <a:ea typeface="Roboto" panose="02000000000000000000" pitchFamily="2" charset="0"/>
               </a:rPr>
-              <a:t> dung </a:t>
+              <a:t> </a:t>
+            </a:r>
+            <a:r>
+              <a:rPr lang="en-US" sz="3200" dirty="0" err="1" smtClean="0">
+                <a:latin typeface="Roboto" panose="02000000000000000000" pitchFamily="2" charset="0"/>
+                <a:ea typeface="Roboto" panose="02000000000000000000" pitchFamily="2" charset="0"/>
+              </a:rPr>
+              <a:t>dùng</a:t>
+            </a:r>
+            <a:r>
+              <a:rPr lang="en-US" sz="3200" dirty="0" smtClean="0">
+                <a:latin typeface="Roboto" panose="02000000000000000000" pitchFamily="2" charset="0"/>
+                <a:ea typeface="Roboto" panose="02000000000000000000" pitchFamily="2" charset="0"/>
+              </a:rPr>
+              <a:t> </a:t>
             </a:r>
             <a:r>
               <a:rPr lang="en-US" sz="3200" dirty="0" err="1" smtClean="0">
@@ -6098,9 +6806,340 @@
   <p:timing>
     <p:tnLst>
       <p:par>
-        <p:cTn id="1" dur="indefinite" restart="never" nodeType="tmRoot"/>
+        <p:cTn id="1" dur="indefinite" restart="never" nodeType="tmRoot">
+          <p:childTnLst>
+            <p:seq concurrent="1" nextAc="seek">
+              <p:cTn id="2" dur="indefinite" nodeType="mainSeq">
+                <p:childTnLst>
+                  <p:par>
+                    <p:cTn id="3" fill="hold">
+                      <p:stCondLst>
+                        <p:cond delay="indefinite"/>
+                      </p:stCondLst>
+                      <p:childTnLst>
+                        <p:par>
+                          <p:cTn id="4" fill="hold">
+                            <p:stCondLst>
+                              <p:cond delay="0"/>
+                            </p:stCondLst>
+                            <p:childTnLst>
+                              <p:par>
+                                <p:cTn id="5" presetID="10" presetClass="entr" presetSubtype="0" fill="hold" grpId="0" nodeType="clickEffect">
+                                  <p:stCondLst>
+                                    <p:cond delay="0"/>
+                                  </p:stCondLst>
+                                  <p:childTnLst>
+                                    <p:set>
+                                      <p:cBhvr>
+                                        <p:cTn id="6" dur="1" fill="hold">
+                                          <p:stCondLst>
+                                            <p:cond delay="0"/>
+                                          </p:stCondLst>
+                                        </p:cTn>
+                                        <p:tgtEl>
+                                          <p:spTgt spid="12">
+                                            <p:txEl>
+                                              <p:pRg st="0" end="0"/>
+                                            </p:txEl>
+                                          </p:spTgt>
+                                        </p:tgtEl>
+                                        <p:attrNameLst>
+                                          <p:attrName>style.visibility</p:attrName>
+                                        </p:attrNameLst>
+                                      </p:cBhvr>
+                                      <p:to>
+                                        <p:strVal val="visible"/>
+                                      </p:to>
+                                    </p:set>
+                                    <p:animEffect transition="in" filter="fade">
+                                      <p:cBhvr>
+                                        <p:cTn id="7" dur="500"/>
+                                        <p:tgtEl>
+                                          <p:spTgt spid="12">
+                                            <p:txEl>
+                                              <p:pRg st="0" end="0"/>
+                                            </p:txEl>
+                                          </p:spTgt>
+                                        </p:tgtEl>
+                                      </p:cBhvr>
+                                    </p:animEffect>
+                                  </p:childTnLst>
+                                </p:cTn>
+                              </p:par>
+                            </p:childTnLst>
+                          </p:cTn>
+                        </p:par>
+                      </p:childTnLst>
+                    </p:cTn>
+                  </p:par>
+                  <p:par>
+                    <p:cTn id="8" fill="hold">
+                      <p:stCondLst>
+                        <p:cond delay="indefinite"/>
+                      </p:stCondLst>
+                      <p:childTnLst>
+                        <p:par>
+                          <p:cTn id="9" fill="hold">
+                            <p:stCondLst>
+                              <p:cond delay="0"/>
+                            </p:stCondLst>
+                            <p:childTnLst>
+                              <p:par>
+                                <p:cTn id="10" presetID="10" presetClass="entr" presetSubtype="0" fill="hold" grpId="0" nodeType="clickEffect">
+                                  <p:stCondLst>
+                                    <p:cond delay="0"/>
+                                  </p:stCondLst>
+                                  <p:childTnLst>
+                                    <p:set>
+                                      <p:cBhvr>
+                                        <p:cTn id="11" dur="1" fill="hold">
+                                          <p:stCondLst>
+                                            <p:cond delay="0"/>
+                                          </p:stCondLst>
+                                        </p:cTn>
+                                        <p:tgtEl>
+                                          <p:spTgt spid="12">
+                                            <p:txEl>
+                                              <p:pRg st="1" end="1"/>
+                                            </p:txEl>
+                                          </p:spTgt>
+                                        </p:tgtEl>
+                                        <p:attrNameLst>
+                                          <p:attrName>style.visibility</p:attrName>
+                                        </p:attrNameLst>
+                                      </p:cBhvr>
+                                      <p:to>
+                                        <p:strVal val="visible"/>
+                                      </p:to>
+                                    </p:set>
+                                    <p:animEffect transition="in" filter="fade">
+                                      <p:cBhvr>
+                                        <p:cTn id="12" dur="500"/>
+                                        <p:tgtEl>
+                                          <p:spTgt spid="12">
+                                            <p:txEl>
+                                              <p:pRg st="1" end="1"/>
+                                            </p:txEl>
+                                          </p:spTgt>
+                                        </p:tgtEl>
+                                      </p:cBhvr>
+                                    </p:animEffect>
+                                  </p:childTnLst>
+                                </p:cTn>
+                              </p:par>
+                            </p:childTnLst>
+                          </p:cTn>
+                        </p:par>
+                      </p:childTnLst>
+                    </p:cTn>
+                  </p:par>
+                  <p:par>
+                    <p:cTn id="13" fill="hold">
+                      <p:stCondLst>
+                        <p:cond delay="indefinite"/>
+                      </p:stCondLst>
+                      <p:childTnLst>
+                        <p:par>
+                          <p:cTn id="14" fill="hold">
+                            <p:stCondLst>
+                              <p:cond delay="0"/>
+                            </p:stCondLst>
+                            <p:childTnLst>
+                              <p:par>
+                                <p:cTn id="15" presetID="10" presetClass="entr" presetSubtype="0" fill="hold" grpId="0" nodeType="clickEffect">
+                                  <p:stCondLst>
+                                    <p:cond delay="0"/>
+                                  </p:stCondLst>
+                                  <p:childTnLst>
+                                    <p:set>
+                                      <p:cBhvr>
+                                        <p:cTn id="16" dur="1" fill="hold">
+                                          <p:stCondLst>
+                                            <p:cond delay="0"/>
+                                          </p:stCondLst>
+                                        </p:cTn>
+                                        <p:tgtEl>
+                                          <p:spTgt spid="12">
+                                            <p:txEl>
+                                              <p:pRg st="2" end="2"/>
+                                            </p:txEl>
+                                          </p:spTgt>
+                                        </p:tgtEl>
+                                        <p:attrNameLst>
+                                          <p:attrName>style.visibility</p:attrName>
+                                        </p:attrNameLst>
+                                      </p:cBhvr>
+                                      <p:to>
+                                        <p:strVal val="visible"/>
+                                      </p:to>
+                                    </p:set>
+                                    <p:animEffect transition="in" filter="fade">
+                                      <p:cBhvr>
+                                        <p:cTn id="17" dur="500"/>
+                                        <p:tgtEl>
+                                          <p:spTgt spid="12">
+                                            <p:txEl>
+                                              <p:pRg st="2" end="2"/>
+                                            </p:txEl>
+                                          </p:spTgt>
+                                        </p:tgtEl>
+                                      </p:cBhvr>
+                                    </p:animEffect>
+                                  </p:childTnLst>
+                                </p:cTn>
+                              </p:par>
+                            </p:childTnLst>
+                          </p:cTn>
+                        </p:par>
+                      </p:childTnLst>
+                    </p:cTn>
+                  </p:par>
+                  <p:par>
+                    <p:cTn id="18" fill="hold">
+                      <p:stCondLst>
+                        <p:cond delay="indefinite"/>
+                      </p:stCondLst>
+                      <p:childTnLst>
+                        <p:par>
+                          <p:cTn id="19" fill="hold">
+                            <p:stCondLst>
+                              <p:cond delay="0"/>
+                            </p:stCondLst>
+                            <p:childTnLst>
+                              <p:par>
+                                <p:cTn id="20" presetID="10" presetClass="entr" presetSubtype="0" fill="hold" grpId="0" nodeType="clickEffect">
+                                  <p:stCondLst>
+                                    <p:cond delay="0"/>
+                                  </p:stCondLst>
+                                  <p:childTnLst>
+                                    <p:set>
+                                      <p:cBhvr>
+                                        <p:cTn id="21" dur="1" fill="hold">
+                                          <p:stCondLst>
+                                            <p:cond delay="0"/>
+                                          </p:stCondLst>
+                                        </p:cTn>
+                                        <p:tgtEl>
+                                          <p:spTgt spid="12">
+                                            <p:txEl>
+                                              <p:pRg st="3" end="3"/>
+                                            </p:txEl>
+                                          </p:spTgt>
+                                        </p:tgtEl>
+                                        <p:attrNameLst>
+                                          <p:attrName>style.visibility</p:attrName>
+                                        </p:attrNameLst>
+                                      </p:cBhvr>
+                                      <p:to>
+                                        <p:strVal val="visible"/>
+                                      </p:to>
+                                    </p:set>
+                                    <p:animEffect transition="in" filter="fade">
+                                      <p:cBhvr>
+                                        <p:cTn id="22" dur="500"/>
+                                        <p:tgtEl>
+                                          <p:spTgt spid="12">
+                                            <p:txEl>
+                                              <p:pRg st="3" end="3"/>
+                                            </p:txEl>
+                                          </p:spTgt>
+                                        </p:tgtEl>
+                                      </p:cBhvr>
+                                    </p:animEffect>
+                                  </p:childTnLst>
+                                </p:cTn>
+                              </p:par>
+                            </p:childTnLst>
+                          </p:cTn>
+                        </p:par>
+                      </p:childTnLst>
+                    </p:cTn>
+                  </p:par>
+                  <p:par>
+                    <p:cTn id="23" fill="hold">
+                      <p:stCondLst>
+                        <p:cond delay="indefinite"/>
+                      </p:stCondLst>
+                      <p:childTnLst>
+                        <p:par>
+                          <p:cTn id="24" fill="hold">
+                            <p:stCondLst>
+                              <p:cond delay="0"/>
+                            </p:stCondLst>
+                            <p:childTnLst>
+                              <p:par>
+                                <p:cTn id="25" presetID="10" presetClass="entr" presetSubtype="0" fill="hold" grpId="0" nodeType="clickEffect">
+                                  <p:stCondLst>
+                                    <p:cond delay="0"/>
+                                  </p:stCondLst>
+                                  <p:childTnLst>
+                                    <p:set>
+                                      <p:cBhvr>
+                                        <p:cTn id="26" dur="1" fill="hold">
+                                          <p:stCondLst>
+                                            <p:cond delay="0"/>
+                                          </p:stCondLst>
+                                        </p:cTn>
+                                        <p:tgtEl>
+                                          <p:spTgt spid="12">
+                                            <p:txEl>
+                                              <p:pRg st="4" end="4"/>
+                                            </p:txEl>
+                                          </p:spTgt>
+                                        </p:tgtEl>
+                                        <p:attrNameLst>
+                                          <p:attrName>style.visibility</p:attrName>
+                                        </p:attrNameLst>
+                                      </p:cBhvr>
+                                      <p:to>
+                                        <p:strVal val="visible"/>
+                                      </p:to>
+                                    </p:set>
+                                    <p:animEffect transition="in" filter="fade">
+                                      <p:cBhvr>
+                                        <p:cTn id="27" dur="500"/>
+                                        <p:tgtEl>
+                                          <p:spTgt spid="12">
+                                            <p:txEl>
+                                              <p:pRg st="4" end="4"/>
+                                            </p:txEl>
+                                          </p:spTgt>
+                                        </p:tgtEl>
+                                      </p:cBhvr>
+                                    </p:animEffect>
+                                  </p:childTnLst>
+                                </p:cTn>
+                              </p:par>
+                            </p:childTnLst>
+                          </p:cTn>
+                        </p:par>
+                      </p:childTnLst>
+                    </p:cTn>
+                  </p:par>
+                </p:childTnLst>
+              </p:cTn>
+              <p:prevCondLst>
+                <p:cond evt="onPrev" delay="0">
+                  <p:tgtEl>
+                    <p:sldTgt/>
+                  </p:tgtEl>
+                </p:cond>
+              </p:prevCondLst>
+              <p:nextCondLst>
+                <p:cond evt="onNext" delay="0">
+                  <p:tgtEl>
+                    <p:sldTgt/>
+                  </p:tgtEl>
+                </p:cond>
+              </p:nextCondLst>
+            </p:seq>
+          </p:childTnLst>
+        </p:cTn>
       </p:par>
     </p:tnLst>
+    <p:bldLst>
+      <p:bldP spid="12" grpId="0" build="p"/>
+    </p:bldLst>
   </p:timing>
 </p:sld>
 </file>
@@ -6804,6 +7843,129 @@
           </a:fontRef>
         </p:style>
       </p:cxnSp>
+      <p:pic>
+        <p:nvPicPr>
+          <p:cNvPr id="1028" name="Picture 4" descr="Kết quả hình ảnh cho wifi png"/>
+          <p:cNvPicPr>
+            <a:picLocks noChangeAspect="1" noChangeArrowheads="1"/>
+          </p:cNvPicPr>
+          <p:nvPr/>
+        </p:nvPicPr>
+        <p:blipFill>
+          <a:blip r:embed="rId11" cstate="print">
+            <a:extLst>
+              <a:ext uri="{28A0092B-C50C-407E-A947-70E740481C1C}">
+                <a14:useLocalDpi xmlns:a14="http://schemas.microsoft.com/office/drawing/2010/main" val="0"/>
+              </a:ext>
+            </a:extLst>
+          </a:blip>
+          <a:srcRect/>
+          <a:stretch>
+            <a:fillRect/>
+          </a:stretch>
+        </p:blipFill>
+        <p:spPr bwMode="auto">
+          <a:xfrm>
+            <a:off x="2421886" y="5039508"/>
+            <a:ext cx="1276442" cy="521248"/>
+          </a:xfrm>
+          <a:prstGeom prst="rect">
+            <a:avLst/>
+          </a:prstGeom>
+          <a:noFill/>
+          <a:extLst>
+            <a:ext uri="{909E8E84-426E-40DD-AFC4-6F175D3DCCD1}">
+              <a14:hiddenFill xmlns:a14="http://schemas.microsoft.com/office/drawing/2010/main">
+                <a:solidFill>
+                  <a:srgbClr val="FFFFFF"/>
+                </a:solidFill>
+              </a14:hiddenFill>
+            </a:ext>
+          </a:extLst>
+        </p:spPr>
+      </p:pic>
+      <p:pic>
+        <p:nvPicPr>
+          <p:cNvPr id="23" name="Picture 4" descr="Kết quả hình ảnh cho wifi png"/>
+          <p:cNvPicPr>
+            <a:picLocks noChangeAspect="1" noChangeArrowheads="1"/>
+          </p:cNvPicPr>
+          <p:nvPr/>
+        </p:nvPicPr>
+        <p:blipFill>
+          <a:blip r:embed="rId11" cstate="print">
+            <a:extLst>
+              <a:ext uri="{28A0092B-C50C-407E-A947-70E740481C1C}">
+                <a14:useLocalDpi xmlns:a14="http://schemas.microsoft.com/office/drawing/2010/main" val="0"/>
+              </a:ext>
+            </a:extLst>
+          </a:blip>
+          <a:srcRect/>
+          <a:stretch>
+            <a:fillRect/>
+          </a:stretch>
+        </p:blipFill>
+        <p:spPr bwMode="auto">
+          <a:xfrm>
+            <a:off x="2701789" y="2309265"/>
+            <a:ext cx="1276442" cy="521248"/>
+          </a:xfrm>
+          <a:prstGeom prst="rect">
+            <a:avLst/>
+          </a:prstGeom>
+          <a:noFill/>
+          <a:extLst>
+            <a:ext uri="{909E8E84-426E-40DD-AFC4-6F175D3DCCD1}">
+              <a14:hiddenFill xmlns:a14="http://schemas.microsoft.com/office/drawing/2010/main">
+                <a:solidFill>
+                  <a:srgbClr val="FFFFFF"/>
+                </a:solidFill>
+              </a14:hiddenFill>
+            </a:ext>
+          </a:extLst>
+        </p:spPr>
+      </p:pic>
+      <p:pic>
+        <p:nvPicPr>
+          <p:cNvPr id="1030" name="Picture 6" descr="Kết quả hình ảnh cho bluetooth png"/>
+          <p:cNvPicPr>
+            <a:picLocks noChangeAspect="1" noChangeArrowheads="1"/>
+          </p:cNvPicPr>
+          <p:nvPr/>
+        </p:nvPicPr>
+        <p:blipFill>
+          <a:blip r:embed="rId12" cstate="print">
+            <a:extLst>
+              <a:ext uri="{28A0092B-C50C-407E-A947-70E740481C1C}">
+                <a14:useLocalDpi xmlns:a14="http://schemas.microsoft.com/office/drawing/2010/main" val="0"/>
+              </a:ext>
+            </a:extLst>
+          </a:blip>
+          <a:srcRect/>
+          <a:stretch>
+            <a:fillRect/>
+          </a:stretch>
+        </p:blipFill>
+        <p:spPr bwMode="auto">
+          <a:xfrm>
+            <a:off x="6556272" y="4568823"/>
+            <a:ext cx="364471" cy="556000"/>
+          </a:xfrm>
+          <a:prstGeom prst="rect">
+            <a:avLst/>
+          </a:prstGeom>
+          <a:noFill/>
+          <a:extLst>
+            <a:ext uri="{909E8E84-426E-40DD-AFC4-6F175D3DCCD1}">
+              <a14:hiddenFill xmlns:a14="http://schemas.microsoft.com/office/drawing/2010/main">
+                <a:solidFill>
+                  <a:srgbClr val="FFFFFF"/>
+                </a:solidFill>
+              </a14:hiddenFill>
+            </a:ext>
+          </a:extLst>
+        </p:spPr>
+      </p:pic>
     </p:spTree>
     <p:extLst>
       <p:ext uri="{BB962C8B-B14F-4D97-AF65-F5344CB8AC3E}">
@@ -6817,7 +7979,830 @@
   <p:timing>
     <p:tnLst>
       <p:par>
-        <p:cTn id="1" dur="indefinite" restart="never" nodeType="tmRoot"/>
+        <p:cTn id="1" dur="indefinite" restart="never" nodeType="tmRoot">
+          <p:childTnLst>
+            <p:seq concurrent="1" nextAc="seek">
+              <p:cTn id="2" dur="indefinite" nodeType="mainSeq">
+                <p:childTnLst>
+                  <p:par>
+                    <p:cTn id="3" fill="hold">
+                      <p:stCondLst>
+                        <p:cond delay="indefinite"/>
+                      </p:stCondLst>
+                      <p:childTnLst>
+                        <p:par>
+                          <p:cTn id="4" fill="hold">
+                            <p:stCondLst>
+                              <p:cond delay="0"/>
+                            </p:stCondLst>
+                            <p:childTnLst>
+                              <p:par>
+                                <p:cTn id="5" presetID="1" presetClass="entr" presetSubtype="0" fill="hold" nodeType="clickEffect">
+                                  <p:stCondLst>
+                                    <p:cond delay="0"/>
+                                  </p:stCondLst>
+                                  <p:childTnLst>
+                                    <p:set>
+                                      <p:cBhvr>
+                                        <p:cTn id="6" dur="1" fill="hold">
+                                          <p:stCondLst>
+                                            <p:cond delay="0"/>
+                                          </p:stCondLst>
+                                        </p:cTn>
+                                        <p:tgtEl>
+                                          <p:spTgt spid="13"/>
+                                        </p:tgtEl>
+                                        <p:attrNameLst>
+                                          <p:attrName>style.visibility</p:attrName>
+                                        </p:attrNameLst>
+                                      </p:cBhvr>
+                                      <p:to>
+                                        <p:strVal val="visible"/>
+                                      </p:to>
+                                    </p:set>
+                                  </p:childTnLst>
+                                </p:cTn>
+                              </p:par>
+                            </p:childTnLst>
+                          </p:cTn>
+                        </p:par>
+                      </p:childTnLst>
+                    </p:cTn>
+                  </p:par>
+                  <p:par>
+                    <p:cTn id="7" fill="hold">
+                      <p:stCondLst>
+                        <p:cond delay="indefinite"/>
+                      </p:stCondLst>
+                      <p:childTnLst>
+                        <p:par>
+                          <p:cTn id="8" fill="hold">
+                            <p:stCondLst>
+                              <p:cond delay="0"/>
+                            </p:stCondLst>
+                            <p:childTnLst>
+                              <p:par>
+                                <p:cTn id="9" presetID="1" presetClass="entr" presetSubtype="0" fill="hold" nodeType="clickEffect">
+                                  <p:stCondLst>
+                                    <p:cond delay="0"/>
+                                  </p:stCondLst>
+                                  <p:childTnLst>
+                                    <p:set>
+                                      <p:cBhvr>
+                                        <p:cTn id="10" dur="1" fill="hold">
+                                          <p:stCondLst>
+                                            <p:cond delay="0"/>
+                                          </p:stCondLst>
+                                        </p:cTn>
+                                        <p:tgtEl>
+                                          <p:spTgt spid="2056"/>
+                                        </p:tgtEl>
+                                        <p:attrNameLst>
+                                          <p:attrName>style.visibility</p:attrName>
+                                        </p:attrNameLst>
+                                      </p:cBhvr>
+                                      <p:to>
+                                        <p:strVal val="visible"/>
+                                      </p:to>
+                                    </p:set>
+                                  </p:childTnLst>
+                                </p:cTn>
+                              </p:par>
+                            </p:childTnLst>
+                          </p:cTn>
+                        </p:par>
+                      </p:childTnLst>
+                    </p:cTn>
+                  </p:par>
+                  <p:par>
+                    <p:cTn id="11" fill="hold">
+                      <p:stCondLst>
+                        <p:cond delay="indefinite"/>
+                      </p:stCondLst>
+                      <p:childTnLst>
+                        <p:par>
+                          <p:cTn id="12" fill="hold">
+                            <p:stCondLst>
+                              <p:cond delay="0"/>
+                            </p:stCondLst>
+                            <p:childTnLst>
+                              <p:par>
+                                <p:cTn id="13" presetID="1" presetClass="entr" presetSubtype="0" fill="hold" nodeType="clickEffect">
+                                  <p:stCondLst>
+                                    <p:cond delay="0"/>
+                                  </p:stCondLst>
+                                  <p:childTnLst>
+                                    <p:set>
+                                      <p:cBhvr>
+                                        <p:cTn id="14" dur="1" fill="hold">
+                                          <p:stCondLst>
+                                            <p:cond delay="0"/>
+                                          </p:stCondLst>
+                                        </p:cTn>
+                                        <p:tgtEl>
+                                          <p:spTgt spid="10"/>
+                                        </p:tgtEl>
+                                        <p:attrNameLst>
+                                          <p:attrName>style.visibility</p:attrName>
+                                        </p:attrNameLst>
+                                      </p:cBhvr>
+                                      <p:to>
+                                        <p:strVal val="visible"/>
+                                      </p:to>
+                                    </p:set>
+                                  </p:childTnLst>
+                                </p:cTn>
+                              </p:par>
+                            </p:childTnLst>
+                          </p:cTn>
+                        </p:par>
+                      </p:childTnLst>
+                    </p:cTn>
+                  </p:par>
+                  <p:par>
+                    <p:cTn id="15" fill="hold">
+                      <p:stCondLst>
+                        <p:cond delay="indefinite"/>
+                      </p:stCondLst>
+                      <p:childTnLst>
+                        <p:par>
+                          <p:cTn id="16" fill="hold">
+                            <p:stCondLst>
+                              <p:cond delay="0"/>
+                            </p:stCondLst>
+                            <p:childTnLst>
+                              <p:par>
+                                <p:cTn id="17" presetID="10" presetClass="entr" presetSubtype="0" fill="hold" nodeType="clickEffect">
+                                  <p:stCondLst>
+                                    <p:cond delay="0"/>
+                                  </p:stCondLst>
+                                  <p:childTnLst>
+                                    <p:set>
+                                      <p:cBhvr>
+                                        <p:cTn id="18" dur="1" fill="hold">
+                                          <p:stCondLst>
+                                            <p:cond delay="0"/>
+                                          </p:stCondLst>
+                                        </p:cTn>
+                                        <p:tgtEl>
+                                          <p:spTgt spid="26"/>
+                                        </p:tgtEl>
+                                        <p:attrNameLst>
+                                          <p:attrName>style.visibility</p:attrName>
+                                        </p:attrNameLst>
+                                      </p:cBhvr>
+                                      <p:to>
+                                        <p:strVal val="visible"/>
+                                      </p:to>
+                                    </p:set>
+                                    <p:animEffect transition="in" filter="fade">
+                                      <p:cBhvr>
+                                        <p:cTn id="19" dur="500"/>
+                                        <p:tgtEl>
+                                          <p:spTgt spid="26"/>
+                                        </p:tgtEl>
+                                      </p:cBhvr>
+                                    </p:animEffect>
+                                  </p:childTnLst>
+                                </p:cTn>
+                              </p:par>
+                            </p:childTnLst>
+                          </p:cTn>
+                        </p:par>
+                      </p:childTnLst>
+                    </p:cTn>
+                  </p:par>
+                  <p:par>
+                    <p:cTn id="20" fill="hold">
+                      <p:stCondLst>
+                        <p:cond delay="indefinite"/>
+                      </p:stCondLst>
+                      <p:childTnLst>
+                        <p:par>
+                          <p:cTn id="21" fill="hold">
+                            <p:stCondLst>
+                              <p:cond delay="0"/>
+                            </p:stCondLst>
+                            <p:childTnLst>
+                              <p:par>
+                                <p:cTn id="22" presetID="10" presetClass="entr" presetSubtype="0" fill="hold" nodeType="clickEffect">
+                                  <p:stCondLst>
+                                    <p:cond delay="0"/>
+                                  </p:stCondLst>
+                                  <p:childTnLst>
+                                    <p:set>
+                                      <p:cBhvr>
+                                        <p:cTn id="23" dur="1" fill="hold">
+                                          <p:stCondLst>
+                                            <p:cond delay="0"/>
+                                          </p:stCondLst>
+                                        </p:cTn>
+                                        <p:tgtEl>
+                                          <p:spTgt spid="23"/>
+                                        </p:tgtEl>
+                                        <p:attrNameLst>
+                                          <p:attrName>style.visibility</p:attrName>
+                                        </p:attrNameLst>
+                                      </p:cBhvr>
+                                      <p:to>
+                                        <p:strVal val="visible"/>
+                                      </p:to>
+                                    </p:set>
+                                    <p:animEffect transition="in" filter="fade">
+                                      <p:cBhvr>
+                                        <p:cTn id="24" dur="500"/>
+                                        <p:tgtEl>
+                                          <p:spTgt spid="23"/>
+                                        </p:tgtEl>
+                                      </p:cBhvr>
+                                    </p:animEffect>
+                                  </p:childTnLst>
+                                </p:cTn>
+                              </p:par>
+                            </p:childTnLst>
+                          </p:cTn>
+                        </p:par>
+                      </p:childTnLst>
+                    </p:cTn>
+                  </p:par>
+                  <p:par>
+                    <p:cTn id="25" fill="hold">
+                      <p:stCondLst>
+                        <p:cond delay="indefinite"/>
+                      </p:stCondLst>
+                      <p:childTnLst>
+                        <p:par>
+                          <p:cTn id="26" fill="hold">
+                            <p:stCondLst>
+                              <p:cond delay="0"/>
+                            </p:stCondLst>
+                            <p:childTnLst>
+                              <p:par>
+                                <p:cTn id="27" presetID="10" presetClass="entr" presetSubtype="0" fill="hold" nodeType="clickEffect">
+                                  <p:stCondLst>
+                                    <p:cond delay="0"/>
+                                  </p:stCondLst>
+                                  <p:childTnLst>
+                                    <p:set>
+                                      <p:cBhvr>
+                                        <p:cTn id="28" dur="1" fill="hold">
+                                          <p:stCondLst>
+                                            <p:cond delay="0"/>
+                                          </p:stCondLst>
+                                        </p:cTn>
+                                        <p:tgtEl>
+                                          <p:spTgt spid="29"/>
+                                        </p:tgtEl>
+                                        <p:attrNameLst>
+                                          <p:attrName>style.visibility</p:attrName>
+                                        </p:attrNameLst>
+                                      </p:cBhvr>
+                                      <p:to>
+                                        <p:strVal val="visible"/>
+                                      </p:to>
+                                    </p:set>
+                                    <p:animEffect transition="in" filter="fade">
+                                      <p:cBhvr>
+                                        <p:cTn id="29" dur="500"/>
+                                        <p:tgtEl>
+                                          <p:spTgt spid="29"/>
+                                        </p:tgtEl>
+                                      </p:cBhvr>
+                                    </p:animEffect>
+                                  </p:childTnLst>
+                                </p:cTn>
+                              </p:par>
+                            </p:childTnLst>
+                          </p:cTn>
+                        </p:par>
+                      </p:childTnLst>
+                    </p:cTn>
+                  </p:par>
+                  <p:par>
+                    <p:cTn id="30" fill="hold">
+                      <p:stCondLst>
+                        <p:cond delay="indefinite"/>
+                      </p:stCondLst>
+                      <p:childTnLst>
+                        <p:par>
+                          <p:cTn id="31" fill="hold">
+                            <p:stCondLst>
+                              <p:cond delay="0"/>
+                            </p:stCondLst>
+                            <p:childTnLst>
+                              <p:par>
+                                <p:cTn id="32" presetID="10" presetClass="entr" presetSubtype="0" fill="hold" nodeType="clickEffect">
+                                  <p:stCondLst>
+                                    <p:cond delay="0"/>
+                                  </p:stCondLst>
+                                  <p:childTnLst>
+                                    <p:set>
+                                      <p:cBhvr>
+                                        <p:cTn id="33" dur="1" fill="hold">
+                                          <p:stCondLst>
+                                            <p:cond delay="0"/>
+                                          </p:stCondLst>
+                                        </p:cTn>
+                                        <p:tgtEl>
+                                          <p:spTgt spid="1028"/>
+                                        </p:tgtEl>
+                                        <p:attrNameLst>
+                                          <p:attrName>style.visibility</p:attrName>
+                                        </p:attrNameLst>
+                                      </p:cBhvr>
+                                      <p:to>
+                                        <p:strVal val="visible"/>
+                                      </p:to>
+                                    </p:set>
+                                    <p:animEffect transition="in" filter="fade">
+                                      <p:cBhvr>
+                                        <p:cTn id="34" dur="500"/>
+                                        <p:tgtEl>
+                                          <p:spTgt spid="1028"/>
+                                        </p:tgtEl>
+                                      </p:cBhvr>
+                                    </p:animEffect>
+                                  </p:childTnLst>
+                                </p:cTn>
+                              </p:par>
+                            </p:childTnLst>
+                          </p:cTn>
+                        </p:par>
+                      </p:childTnLst>
+                    </p:cTn>
+                  </p:par>
+                  <p:par>
+                    <p:cTn id="35" fill="hold">
+                      <p:stCondLst>
+                        <p:cond delay="indefinite"/>
+                      </p:stCondLst>
+                      <p:childTnLst>
+                        <p:par>
+                          <p:cTn id="36" fill="hold">
+                            <p:stCondLst>
+                              <p:cond delay="0"/>
+                            </p:stCondLst>
+                            <p:childTnLst>
+                              <p:par>
+                                <p:cTn id="37" presetID="10" presetClass="entr" presetSubtype="0" fill="hold" nodeType="clickEffect">
+                                  <p:stCondLst>
+                                    <p:cond delay="0"/>
+                                  </p:stCondLst>
+                                  <p:childTnLst>
+                                    <p:set>
+                                      <p:cBhvr>
+                                        <p:cTn id="38" dur="1" fill="hold">
+                                          <p:stCondLst>
+                                            <p:cond delay="0"/>
+                                          </p:stCondLst>
+                                        </p:cTn>
+                                        <p:tgtEl>
+                                          <p:spTgt spid="22"/>
+                                        </p:tgtEl>
+                                        <p:attrNameLst>
+                                          <p:attrName>style.visibility</p:attrName>
+                                        </p:attrNameLst>
+                                      </p:cBhvr>
+                                      <p:to>
+                                        <p:strVal val="visible"/>
+                                      </p:to>
+                                    </p:set>
+                                    <p:animEffect transition="in" filter="fade">
+                                      <p:cBhvr>
+                                        <p:cTn id="39" dur="500"/>
+                                        <p:tgtEl>
+                                          <p:spTgt spid="22"/>
+                                        </p:tgtEl>
+                                      </p:cBhvr>
+                                    </p:animEffect>
+                                  </p:childTnLst>
+                                </p:cTn>
+                              </p:par>
+                            </p:childTnLst>
+                          </p:cTn>
+                        </p:par>
+                      </p:childTnLst>
+                    </p:cTn>
+                  </p:par>
+                  <p:par>
+                    <p:cTn id="40" fill="hold">
+                      <p:stCondLst>
+                        <p:cond delay="indefinite"/>
+                      </p:stCondLst>
+                      <p:childTnLst>
+                        <p:par>
+                          <p:cTn id="41" fill="hold">
+                            <p:stCondLst>
+                              <p:cond delay="0"/>
+                            </p:stCondLst>
+                            <p:childTnLst>
+                              <p:par>
+                                <p:cTn id="42" presetID="10" presetClass="entr" presetSubtype="0" fill="hold" nodeType="clickEffect">
+                                  <p:stCondLst>
+                                    <p:cond delay="0"/>
+                                  </p:stCondLst>
+                                  <p:childTnLst>
+                                    <p:set>
+                                      <p:cBhvr>
+                                        <p:cTn id="43" dur="1" fill="hold">
+                                          <p:stCondLst>
+                                            <p:cond delay="0"/>
+                                          </p:stCondLst>
+                                        </p:cTn>
+                                        <p:tgtEl>
+                                          <p:spTgt spid="24"/>
+                                        </p:tgtEl>
+                                        <p:attrNameLst>
+                                          <p:attrName>style.visibility</p:attrName>
+                                        </p:attrNameLst>
+                                      </p:cBhvr>
+                                      <p:to>
+                                        <p:strVal val="visible"/>
+                                      </p:to>
+                                    </p:set>
+                                    <p:animEffect transition="in" filter="fade">
+                                      <p:cBhvr>
+                                        <p:cTn id="44" dur="500"/>
+                                        <p:tgtEl>
+                                          <p:spTgt spid="24"/>
+                                        </p:tgtEl>
+                                      </p:cBhvr>
+                                    </p:animEffect>
+                                  </p:childTnLst>
+                                </p:cTn>
+                              </p:par>
+                            </p:childTnLst>
+                          </p:cTn>
+                        </p:par>
+                      </p:childTnLst>
+                    </p:cTn>
+                  </p:par>
+                  <p:par>
+                    <p:cTn id="45" fill="hold">
+                      <p:stCondLst>
+                        <p:cond delay="indefinite"/>
+                      </p:stCondLst>
+                      <p:childTnLst>
+                        <p:par>
+                          <p:cTn id="46" fill="hold">
+                            <p:stCondLst>
+                              <p:cond delay="0"/>
+                            </p:stCondLst>
+                            <p:childTnLst>
+                              <p:par>
+                                <p:cTn id="47" presetID="1" presetClass="entr" presetSubtype="0" fill="hold" nodeType="clickEffect">
+                                  <p:stCondLst>
+                                    <p:cond delay="0"/>
+                                  </p:stCondLst>
+                                  <p:childTnLst>
+                                    <p:set>
+                                      <p:cBhvr>
+                                        <p:cTn id="48" dur="1" fill="hold">
+                                          <p:stCondLst>
+                                            <p:cond delay="0"/>
+                                          </p:stCondLst>
+                                        </p:cTn>
+                                        <p:tgtEl>
+                                          <p:spTgt spid="2052"/>
+                                        </p:tgtEl>
+                                        <p:attrNameLst>
+                                          <p:attrName>style.visibility</p:attrName>
+                                        </p:attrNameLst>
+                                      </p:cBhvr>
+                                      <p:to>
+                                        <p:strVal val="visible"/>
+                                      </p:to>
+                                    </p:set>
+                                  </p:childTnLst>
+                                </p:cTn>
+                              </p:par>
+                            </p:childTnLst>
+                          </p:cTn>
+                        </p:par>
+                      </p:childTnLst>
+                    </p:cTn>
+                  </p:par>
+                  <p:par>
+                    <p:cTn id="49" fill="hold">
+                      <p:stCondLst>
+                        <p:cond delay="indefinite"/>
+                      </p:stCondLst>
+                      <p:childTnLst>
+                        <p:par>
+                          <p:cTn id="50" fill="hold">
+                            <p:stCondLst>
+                              <p:cond delay="0"/>
+                            </p:stCondLst>
+                            <p:childTnLst>
+                              <p:par>
+                                <p:cTn id="51" presetID="1" presetClass="entr" presetSubtype="0" fill="hold" nodeType="clickEffect">
+                                  <p:stCondLst>
+                                    <p:cond delay="0"/>
+                                  </p:stCondLst>
+                                  <p:childTnLst>
+                                    <p:set>
+                                      <p:cBhvr>
+                                        <p:cTn id="52" dur="1" fill="hold">
+                                          <p:stCondLst>
+                                            <p:cond delay="0"/>
+                                          </p:stCondLst>
+                                        </p:cTn>
+                                        <p:tgtEl>
+                                          <p:spTgt spid="2054"/>
+                                        </p:tgtEl>
+                                        <p:attrNameLst>
+                                          <p:attrName>style.visibility</p:attrName>
+                                        </p:attrNameLst>
+                                      </p:cBhvr>
+                                      <p:to>
+                                        <p:strVal val="visible"/>
+                                      </p:to>
+                                    </p:set>
+                                  </p:childTnLst>
+                                </p:cTn>
+                              </p:par>
+                            </p:childTnLst>
+                          </p:cTn>
+                        </p:par>
+                      </p:childTnLst>
+                    </p:cTn>
+                  </p:par>
+                  <p:par>
+                    <p:cTn id="53" fill="hold">
+                      <p:stCondLst>
+                        <p:cond delay="indefinite"/>
+                      </p:stCondLst>
+                      <p:childTnLst>
+                        <p:par>
+                          <p:cTn id="54" fill="hold">
+                            <p:stCondLst>
+                              <p:cond delay="0"/>
+                            </p:stCondLst>
+                            <p:childTnLst>
+                              <p:par>
+                                <p:cTn id="55" presetID="1" presetClass="entr" presetSubtype="0" fill="hold" nodeType="clickEffect">
+                                  <p:stCondLst>
+                                    <p:cond delay="0"/>
+                                  </p:stCondLst>
+                                  <p:childTnLst>
+                                    <p:set>
+                                      <p:cBhvr>
+                                        <p:cTn id="56" dur="1" fill="hold">
+                                          <p:stCondLst>
+                                            <p:cond delay="0"/>
+                                          </p:stCondLst>
+                                        </p:cTn>
+                                        <p:tgtEl>
+                                          <p:spTgt spid="2050"/>
+                                        </p:tgtEl>
+                                        <p:attrNameLst>
+                                          <p:attrName>style.visibility</p:attrName>
+                                        </p:attrNameLst>
+                                      </p:cBhvr>
+                                      <p:to>
+                                        <p:strVal val="visible"/>
+                                      </p:to>
+                                    </p:set>
+                                  </p:childTnLst>
+                                </p:cTn>
+                              </p:par>
+                            </p:childTnLst>
+                          </p:cTn>
+                        </p:par>
+                      </p:childTnLst>
+                    </p:cTn>
+                  </p:par>
+                  <p:par>
+                    <p:cTn id="57" fill="hold">
+                      <p:stCondLst>
+                        <p:cond delay="indefinite"/>
+                      </p:stCondLst>
+                      <p:childTnLst>
+                        <p:par>
+                          <p:cTn id="58" fill="hold">
+                            <p:stCondLst>
+                              <p:cond delay="0"/>
+                            </p:stCondLst>
+                            <p:childTnLst>
+                              <p:par>
+                                <p:cTn id="59" presetID="10" presetClass="entr" presetSubtype="0" fill="hold" nodeType="clickEffect">
+                                  <p:stCondLst>
+                                    <p:cond delay="0"/>
+                                  </p:stCondLst>
+                                  <p:childTnLst>
+                                    <p:set>
+                                      <p:cBhvr>
+                                        <p:cTn id="60" dur="1" fill="hold">
+                                          <p:stCondLst>
+                                            <p:cond delay="0"/>
+                                          </p:stCondLst>
+                                        </p:cTn>
+                                        <p:tgtEl>
+                                          <p:spTgt spid="4"/>
+                                        </p:tgtEl>
+                                        <p:attrNameLst>
+                                          <p:attrName>style.visibility</p:attrName>
+                                        </p:attrNameLst>
+                                      </p:cBhvr>
+                                      <p:to>
+                                        <p:strVal val="visible"/>
+                                      </p:to>
+                                    </p:set>
+                                    <p:animEffect transition="in" filter="fade">
+                                      <p:cBhvr>
+                                        <p:cTn id="61" dur="500"/>
+                                        <p:tgtEl>
+                                          <p:spTgt spid="4"/>
+                                        </p:tgtEl>
+                                      </p:cBhvr>
+                                    </p:animEffect>
+                                  </p:childTnLst>
+                                </p:cTn>
+                              </p:par>
+                            </p:childTnLst>
+                          </p:cTn>
+                        </p:par>
+                      </p:childTnLst>
+                    </p:cTn>
+                  </p:par>
+                  <p:par>
+                    <p:cTn id="62" fill="hold">
+                      <p:stCondLst>
+                        <p:cond delay="indefinite"/>
+                      </p:stCondLst>
+                      <p:childTnLst>
+                        <p:par>
+                          <p:cTn id="63" fill="hold">
+                            <p:stCondLst>
+                              <p:cond delay="0"/>
+                            </p:stCondLst>
+                            <p:childTnLst>
+                              <p:par>
+                                <p:cTn id="64" presetID="10" presetClass="entr" presetSubtype="0" fill="hold" nodeType="clickEffect">
+                                  <p:stCondLst>
+                                    <p:cond delay="0"/>
+                                  </p:stCondLst>
+                                  <p:childTnLst>
+                                    <p:set>
+                                      <p:cBhvr>
+                                        <p:cTn id="65" dur="1" fill="hold">
+                                          <p:stCondLst>
+                                            <p:cond delay="0"/>
+                                          </p:stCondLst>
+                                        </p:cTn>
+                                        <p:tgtEl>
+                                          <p:spTgt spid="16"/>
+                                        </p:tgtEl>
+                                        <p:attrNameLst>
+                                          <p:attrName>style.visibility</p:attrName>
+                                        </p:attrNameLst>
+                                      </p:cBhvr>
+                                      <p:to>
+                                        <p:strVal val="visible"/>
+                                      </p:to>
+                                    </p:set>
+                                    <p:animEffect transition="in" filter="fade">
+                                      <p:cBhvr>
+                                        <p:cTn id="66" dur="500"/>
+                                        <p:tgtEl>
+                                          <p:spTgt spid="16"/>
+                                        </p:tgtEl>
+                                      </p:cBhvr>
+                                    </p:animEffect>
+                                  </p:childTnLst>
+                                </p:cTn>
+                              </p:par>
+                            </p:childTnLst>
+                          </p:cTn>
+                        </p:par>
+                      </p:childTnLst>
+                    </p:cTn>
+                  </p:par>
+                  <p:par>
+                    <p:cTn id="67" fill="hold">
+                      <p:stCondLst>
+                        <p:cond delay="indefinite"/>
+                      </p:stCondLst>
+                      <p:childTnLst>
+                        <p:par>
+                          <p:cTn id="68" fill="hold">
+                            <p:stCondLst>
+                              <p:cond delay="0"/>
+                            </p:stCondLst>
+                            <p:childTnLst>
+                              <p:par>
+                                <p:cTn id="69" presetID="10" presetClass="entr" presetSubtype="0" fill="hold" nodeType="clickEffect">
+                                  <p:stCondLst>
+                                    <p:cond delay="0"/>
+                                  </p:stCondLst>
+                                  <p:childTnLst>
+                                    <p:set>
+                                      <p:cBhvr>
+                                        <p:cTn id="70" dur="1" fill="hold">
+                                          <p:stCondLst>
+                                            <p:cond delay="0"/>
+                                          </p:stCondLst>
+                                        </p:cTn>
+                                        <p:tgtEl>
+                                          <p:spTgt spid="19"/>
+                                        </p:tgtEl>
+                                        <p:attrNameLst>
+                                          <p:attrName>style.visibility</p:attrName>
+                                        </p:attrNameLst>
+                                      </p:cBhvr>
+                                      <p:to>
+                                        <p:strVal val="visible"/>
+                                      </p:to>
+                                    </p:set>
+                                    <p:animEffect transition="in" filter="fade">
+                                      <p:cBhvr>
+                                        <p:cTn id="71" dur="500"/>
+                                        <p:tgtEl>
+                                          <p:spTgt spid="19"/>
+                                        </p:tgtEl>
+                                      </p:cBhvr>
+                                    </p:animEffect>
+                                  </p:childTnLst>
+                                </p:cTn>
+                              </p:par>
+                            </p:childTnLst>
+                          </p:cTn>
+                        </p:par>
+                      </p:childTnLst>
+                    </p:cTn>
+                  </p:par>
+                  <p:par>
+                    <p:cTn id="72" fill="hold">
+                      <p:stCondLst>
+                        <p:cond delay="indefinite"/>
+                      </p:stCondLst>
+                      <p:childTnLst>
+                        <p:par>
+                          <p:cTn id="73" fill="hold">
+                            <p:stCondLst>
+                              <p:cond delay="0"/>
+                            </p:stCondLst>
+                            <p:childTnLst>
+                              <p:par>
+                                <p:cTn id="74" presetID="10" presetClass="entr" presetSubtype="0" fill="hold" nodeType="clickEffect">
+                                  <p:stCondLst>
+                                    <p:cond delay="0"/>
+                                  </p:stCondLst>
+                                  <p:childTnLst>
+                                    <p:set>
+                                      <p:cBhvr>
+                                        <p:cTn id="75" dur="1" fill="hold">
+                                          <p:stCondLst>
+                                            <p:cond delay="0"/>
+                                          </p:stCondLst>
+                                        </p:cTn>
+                                        <p:tgtEl>
+                                          <p:spTgt spid="1030"/>
+                                        </p:tgtEl>
+                                        <p:attrNameLst>
+                                          <p:attrName>style.visibility</p:attrName>
+                                        </p:attrNameLst>
+                                      </p:cBhvr>
+                                      <p:to>
+                                        <p:strVal val="visible"/>
+                                      </p:to>
+                                    </p:set>
+                                    <p:animEffect transition="in" filter="fade">
+                                      <p:cBhvr>
+                                        <p:cTn id="76" dur="500"/>
+                                        <p:tgtEl>
+                                          <p:spTgt spid="1030"/>
+                                        </p:tgtEl>
+                                      </p:cBhvr>
+                                    </p:animEffect>
+                                  </p:childTnLst>
+                                </p:cTn>
+                              </p:par>
+                            </p:childTnLst>
+                          </p:cTn>
+                        </p:par>
+                      </p:childTnLst>
+                    </p:cTn>
+                  </p:par>
+                </p:childTnLst>
+              </p:cTn>
+              <p:prevCondLst>
+                <p:cond evt="onPrev" delay="0">
+                  <p:tgtEl>
+                    <p:sldTgt/>
+                  </p:tgtEl>
+                </p:cond>
+              </p:prevCondLst>
+              <p:nextCondLst>
+                <p:cond evt="onNext" delay="0">
+                  <p:tgtEl>
+                    <p:sldTgt/>
+                  </p:tgtEl>
+                </p:cond>
+              </p:nextCondLst>
+            </p:seq>
+          </p:childTnLst>
+        </p:cTn>
       </p:par>
     </p:tnLst>
   </p:timing>
@@ -7499,9 +9484,383 @@
   <p:timing>
     <p:tnLst>
       <p:par>
-        <p:cTn id="1" dur="indefinite" restart="never" nodeType="tmRoot"/>
+        <p:cTn id="1" dur="indefinite" restart="never" nodeType="tmRoot">
+          <p:childTnLst>
+            <p:seq concurrent="1" nextAc="seek">
+              <p:cTn id="2" dur="indefinite" nodeType="mainSeq">
+                <p:childTnLst>
+                  <p:par>
+                    <p:cTn id="3" fill="hold">
+                      <p:stCondLst>
+                        <p:cond delay="indefinite"/>
+                      </p:stCondLst>
+                      <p:childTnLst>
+                        <p:par>
+                          <p:cTn id="4" fill="hold">
+                            <p:stCondLst>
+                              <p:cond delay="0"/>
+                            </p:stCondLst>
+                            <p:childTnLst>
+                              <p:par>
+                                <p:cTn id="5" presetID="10" presetClass="entr" presetSubtype="0" fill="hold" grpId="0" nodeType="clickEffect">
+                                  <p:stCondLst>
+                                    <p:cond delay="0"/>
+                                  </p:stCondLst>
+                                  <p:childTnLst>
+                                    <p:set>
+                                      <p:cBhvr>
+                                        <p:cTn id="6" dur="1" fill="hold">
+                                          <p:stCondLst>
+                                            <p:cond delay="0"/>
+                                          </p:stCondLst>
+                                        </p:cTn>
+                                        <p:tgtEl>
+                                          <p:spTgt spid="3">
+                                            <p:txEl>
+                                              <p:pRg st="0" end="0"/>
+                                            </p:txEl>
+                                          </p:spTgt>
+                                        </p:tgtEl>
+                                        <p:attrNameLst>
+                                          <p:attrName>style.visibility</p:attrName>
+                                        </p:attrNameLst>
+                                      </p:cBhvr>
+                                      <p:to>
+                                        <p:strVal val="visible"/>
+                                      </p:to>
+                                    </p:set>
+                                    <p:animEffect transition="in" filter="fade">
+                                      <p:cBhvr>
+                                        <p:cTn id="7" dur="500"/>
+                                        <p:tgtEl>
+                                          <p:spTgt spid="3">
+                                            <p:txEl>
+                                              <p:pRg st="0" end="0"/>
+                                            </p:txEl>
+                                          </p:spTgt>
+                                        </p:tgtEl>
+                                      </p:cBhvr>
+                                    </p:animEffect>
+                                  </p:childTnLst>
+                                </p:cTn>
+                              </p:par>
+                            </p:childTnLst>
+                          </p:cTn>
+                        </p:par>
+                      </p:childTnLst>
+                    </p:cTn>
+                  </p:par>
+                  <p:par>
+                    <p:cTn id="8" fill="hold">
+                      <p:stCondLst>
+                        <p:cond delay="indefinite"/>
+                      </p:stCondLst>
+                      <p:childTnLst>
+                        <p:par>
+                          <p:cTn id="9" fill="hold">
+                            <p:stCondLst>
+                              <p:cond delay="0"/>
+                            </p:stCondLst>
+                            <p:childTnLst>
+                              <p:par>
+                                <p:cTn id="10" presetID="10" presetClass="entr" presetSubtype="0" fill="hold" grpId="0" nodeType="clickEffect">
+                                  <p:stCondLst>
+                                    <p:cond delay="0"/>
+                                  </p:stCondLst>
+                                  <p:childTnLst>
+                                    <p:set>
+                                      <p:cBhvr>
+                                        <p:cTn id="11" dur="1" fill="hold">
+                                          <p:stCondLst>
+                                            <p:cond delay="0"/>
+                                          </p:stCondLst>
+                                        </p:cTn>
+                                        <p:tgtEl>
+                                          <p:spTgt spid="3">
+                                            <p:txEl>
+                                              <p:pRg st="1" end="1"/>
+                                            </p:txEl>
+                                          </p:spTgt>
+                                        </p:tgtEl>
+                                        <p:attrNameLst>
+                                          <p:attrName>style.visibility</p:attrName>
+                                        </p:attrNameLst>
+                                      </p:cBhvr>
+                                      <p:to>
+                                        <p:strVal val="visible"/>
+                                      </p:to>
+                                    </p:set>
+                                    <p:animEffect transition="in" filter="fade">
+                                      <p:cBhvr>
+                                        <p:cTn id="12" dur="500"/>
+                                        <p:tgtEl>
+                                          <p:spTgt spid="3">
+                                            <p:txEl>
+                                              <p:pRg st="1" end="1"/>
+                                            </p:txEl>
+                                          </p:spTgt>
+                                        </p:tgtEl>
+                                      </p:cBhvr>
+                                    </p:animEffect>
+                                  </p:childTnLst>
+                                </p:cTn>
+                              </p:par>
+                            </p:childTnLst>
+                          </p:cTn>
+                        </p:par>
+                      </p:childTnLst>
+                    </p:cTn>
+                  </p:par>
+                  <p:par>
+                    <p:cTn id="13" fill="hold">
+                      <p:stCondLst>
+                        <p:cond delay="indefinite"/>
+                      </p:stCondLst>
+                      <p:childTnLst>
+                        <p:par>
+                          <p:cTn id="14" fill="hold">
+                            <p:stCondLst>
+                              <p:cond delay="0"/>
+                            </p:stCondLst>
+                            <p:childTnLst>
+                              <p:par>
+                                <p:cTn id="15" presetID="10" presetClass="entr" presetSubtype="0" fill="hold" grpId="0" nodeType="clickEffect">
+                                  <p:stCondLst>
+                                    <p:cond delay="0"/>
+                                  </p:stCondLst>
+                                  <p:childTnLst>
+                                    <p:set>
+                                      <p:cBhvr>
+                                        <p:cTn id="16" dur="1" fill="hold">
+                                          <p:stCondLst>
+                                            <p:cond delay="0"/>
+                                          </p:stCondLst>
+                                        </p:cTn>
+                                        <p:tgtEl>
+                                          <p:spTgt spid="3">
+                                            <p:txEl>
+                                              <p:pRg st="2" end="2"/>
+                                            </p:txEl>
+                                          </p:spTgt>
+                                        </p:tgtEl>
+                                        <p:attrNameLst>
+                                          <p:attrName>style.visibility</p:attrName>
+                                        </p:attrNameLst>
+                                      </p:cBhvr>
+                                      <p:to>
+                                        <p:strVal val="visible"/>
+                                      </p:to>
+                                    </p:set>
+                                    <p:animEffect transition="in" filter="fade">
+                                      <p:cBhvr>
+                                        <p:cTn id="17" dur="500"/>
+                                        <p:tgtEl>
+                                          <p:spTgt spid="3">
+                                            <p:txEl>
+                                              <p:pRg st="2" end="2"/>
+                                            </p:txEl>
+                                          </p:spTgt>
+                                        </p:tgtEl>
+                                      </p:cBhvr>
+                                    </p:animEffect>
+                                  </p:childTnLst>
+                                </p:cTn>
+                              </p:par>
+                            </p:childTnLst>
+                          </p:cTn>
+                        </p:par>
+                      </p:childTnLst>
+                    </p:cTn>
+                  </p:par>
+                  <p:par>
+                    <p:cTn id="18" fill="hold">
+                      <p:stCondLst>
+                        <p:cond delay="indefinite"/>
+                      </p:stCondLst>
+                      <p:childTnLst>
+                        <p:par>
+                          <p:cTn id="19" fill="hold">
+                            <p:stCondLst>
+                              <p:cond delay="0"/>
+                            </p:stCondLst>
+                            <p:childTnLst>
+                              <p:par>
+                                <p:cTn id="20" presetID="10" presetClass="entr" presetSubtype="0" fill="hold" grpId="0" nodeType="clickEffect">
+                                  <p:stCondLst>
+                                    <p:cond delay="0"/>
+                                  </p:stCondLst>
+                                  <p:childTnLst>
+                                    <p:set>
+                                      <p:cBhvr>
+                                        <p:cTn id="21" dur="1" fill="hold">
+                                          <p:stCondLst>
+                                            <p:cond delay="0"/>
+                                          </p:stCondLst>
+                                        </p:cTn>
+                                        <p:tgtEl>
+                                          <p:spTgt spid="3">
+                                            <p:txEl>
+                                              <p:pRg st="3" end="3"/>
+                                            </p:txEl>
+                                          </p:spTgt>
+                                        </p:tgtEl>
+                                        <p:attrNameLst>
+                                          <p:attrName>style.visibility</p:attrName>
+                                        </p:attrNameLst>
+                                      </p:cBhvr>
+                                      <p:to>
+                                        <p:strVal val="visible"/>
+                                      </p:to>
+                                    </p:set>
+                                    <p:animEffect transition="in" filter="fade">
+                                      <p:cBhvr>
+                                        <p:cTn id="22" dur="500"/>
+                                        <p:tgtEl>
+                                          <p:spTgt spid="3">
+                                            <p:txEl>
+                                              <p:pRg st="3" end="3"/>
+                                            </p:txEl>
+                                          </p:spTgt>
+                                        </p:tgtEl>
+                                      </p:cBhvr>
+                                    </p:animEffect>
+                                  </p:childTnLst>
+                                </p:cTn>
+                              </p:par>
+                            </p:childTnLst>
+                          </p:cTn>
+                        </p:par>
+                        <p:par>
+                          <p:cTn id="23" fill="hold">
+                            <p:stCondLst>
+                              <p:cond delay="500"/>
+                            </p:stCondLst>
+                            <p:childTnLst>
+                              <p:par>
+                                <p:cTn id="24" presetID="10" presetClass="entr" presetSubtype="0" fill="hold" grpId="0" nodeType="afterEffect">
+                                  <p:stCondLst>
+                                    <p:cond delay="0"/>
+                                  </p:stCondLst>
+                                  <p:childTnLst>
+                                    <p:set>
+                                      <p:cBhvr>
+                                        <p:cTn id="25" dur="1" fill="hold">
+                                          <p:stCondLst>
+                                            <p:cond delay="0"/>
+                                          </p:stCondLst>
+                                        </p:cTn>
+                                        <p:tgtEl>
+                                          <p:spTgt spid="3">
+                                            <p:txEl>
+                                              <p:pRg st="4" end="4"/>
+                                            </p:txEl>
+                                          </p:spTgt>
+                                        </p:tgtEl>
+                                        <p:attrNameLst>
+                                          <p:attrName>style.visibility</p:attrName>
+                                        </p:attrNameLst>
+                                      </p:cBhvr>
+                                      <p:to>
+                                        <p:strVal val="visible"/>
+                                      </p:to>
+                                    </p:set>
+                                    <p:animEffect transition="in" filter="fade">
+                                      <p:cBhvr>
+                                        <p:cTn id="26" dur="500"/>
+                                        <p:tgtEl>
+                                          <p:spTgt spid="3">
+                                            <p:txEl>
+                                              <p:pRg st="4" end="4"/>
+                                            </p:txEl>
+                                          </p:spTgt>
+                                        </p:tgtEl>
+                                      </p:cBhvr>
+                                    </p:animEffect>
+                                  </p:childTnLst>
+                                </p:cTn>
+                              </p:par>
+                            </p:childTnLst>
+                          </p:cTn>
+                        </p:par>
+                        <p:par>
+                          <p:cTn id="27" fill="hold">
+                            <p:stCondLst>
+                              <p:cond delay="1000"/>
+                            </p:stCondLst>
+                            <p:childTnLst>
+                              <p:par>
+                                <p:cTn id="28" presetID="10" presetClass="entr" presetSubtype="0" fill="hold" grpId="0" nodeType="afterEffect">
+                                  <p:stCondLst>
+                                    <p:cond delay="0"/>
+                                  </p:stCondLst>
+                                  <p:childTnLst>
+                                    <p:set>
+                                      <p:cBhvr>
+                                        <p:cTn id="29" dur="1" fill="hold">
+                                          <p:stCondLst>
+                                            <p:cond delay="0"/>
+                                          </p:stCondLst>
+                                        </p:cTn>
+                                        <p:tgtEl>
+                                          <p:spTgt spid="3">
+                                            <p:txEl>
+                                              <p:pRg st="5" end="5"/>
+                                            </p:txEl>
+                                          </p:spTgt>
+                                        </p:tgtEl>
+                                        <p:attrNameLst>
+                                          <p:attrName>style.visibility</p:attrName>
+                                        </p:attrNameLst>
+                                      </p:cBhvr>
+                                      <p:to>
+                                        <p:strVal val="visible"/>
+                                      </p:to>
+                                    </p:set>
+                                    <p:animEffect transition="in" filter="fade">
+                                      <p:cBhvr>
+                                        <p:cTn id="30" dur="500"/>
+                                        <p:tgtEl>
+                                          <p:spTgt spid="3">
+                                            <p:txEl>
+                                              <p:pRg st="5" end="5"/>
+                                            </p:txEl>
+                                          </p:spTgt>
+                                        </p:tgtEl>
+                                      </p:cBhvr>
+                                    </p:animEffect>
+                                  </p:childTnLst>
+                                </p:cTn>
+                              </p:par>
+                            </p:childTnLst>
+                          </p:cTn>
+                        </p:par>
+                      </p:childTnLst>
+                    </p:cTn>
+                  </p:par>
+                </p:childTnLst>
+              </p:cTn>
+              <p:prevCondLst>
+                <p:cond evt="onPrev" delay="0">
+                  <p:tgtEl>
+                    <p:sldTgt/>
+                  </p:tgtEl>
+                </p:cond>
+              </p:prevCondLst>
+              <p:nextCondLst>
+                <p:cond evt="onNext" delay="0">
+                  <p:tgtEl>
+                    <p:sldTgt/>
+                  </p:tgtEl>
+                </p:cond>
+              </p:nextCondLst>
+            </p:seq>
+          </p:childTnLst>
+        </p:cTn>
       </p:par>
     </p:tnLst>
+    <p:bldLst>
+      <p:bldP spid="3" grpId="0" uiExpand="1" build="p"/>
+    </p:bldLst>
   </p:timing>
 </p:sld>
 </file>
@@ -7889,9 +10248,218 @@
   <p:timing>
     <p:tnLst>
       <p:par>
-        <p:cTn id="1" dur="indefinite" restart="never" nodeType="tmRoot"/>
+        <p:cTn id="1" dur="indefinite" restart="never" nodeType="tmRoot">
+          <p:childTnLst>
+            <p:seq concurrent="1" nextAc="seek">
+              <p:cTn id="2" dur="indefinite" nodeType="mainSeq">
+                <p:childTnLst>
+                  <p:par>
+                    <p:cTn id="3" fill="hold">
+                      <p:stCondLst>
+                        <p:cond delay="indefinite"/>
+                      </p:stCondLst>
+                      <p:childTnLst>
+                        <p:par>
+                          <p:cTn id="4" fill="hold">
+                            <p:stCondLst>
+                              <p:cond delay="0"/>
+                            </p:stCondLst>
+                            <p:childTnLst>
+                              <p:par>
+                                <p:cTn id="5" presetID="10" presetClass="entr" presetSubtype="0" fill="hold" grpId="0" nodeType="clickEffect">
+                                  <p:stCondLst>
+                                    <p:cond delay="0"/>
+                                  </p:stCondLst>
+                                  <p:childTnLst>
+                                    <p:set>
+                                      <p:cBhvr>
+                                        <p:cTn id="6" dur="1" fill="hold">
+                                          <p:stCondLst>
+                                            <p:cond delay="0"/>
+                                          </p:stCondLst>
+                                        </p:cTn>
+                                        <p:tgtEl>
+                                          <p:spTgt spid="3">
+                                            <p:txEl>
+                                              <p:pRg st="0" end="0"/>
+                                            </p:txEl>
+                                          </p:spTgt>
+                                        </p:tgtEl>
+                                        <p:attrNameLst>
+                                          <p:attrName>style.visibility</p:attrName>
+                                        </p:attrNameLst>
+                                      </p:cBhvr>
+                                      <p:to>
+                                        <p:strVal val="visible"/>
+                                      </p:to>
+                                    </p:set>
+                                    <p:animEffect transition="in" filter="fade">
+                                      <p:cBhvr>
+                                        <p:cTn id="7" dur="500"/>
+                                        <p:tgtEl>
+                                          <p:spTgt spid="3">
+                                            <p:txEl>
+                                              <p:pRg st="0" end="0"/>
+                                            </p:txEl>
+                                          </p:spTgt>
+                                        </p:tgtEl>
+                                      </p:cBhvr>
+                                    </p:animEffect>
+                                  </p:childTnLst>
+                                </p:cTn>
+                              </p:par>
+                            </p:childTnLst>
+                          </p:cTn>
+                        </p:par>
+                      </p:childTnLst>
+                    </p:cTn>
+                  </p:par>
+                  <p:par>
+                    <p:cTn id="8" fill="hold">
+                      <p:stCondLst>
+                        <p:cond delay="indefinite"/>
+                      </p:stCondLst>
+                      <p:childTnLst>
+                        <p:par>
+                          <p:cTn id="9" fill="hold">
+                            <p:stCondLst>
+                              <p:cond delay="0"/>
+                            </p:stCondLst>
+                            <p:childTnLst>
+                              <p:par>
+                                <p:cTn id="10" presetID="10" presetClass="entr" presetSubtype="0" fill="hold" grpId="0" nodeType="clickEffect">
+                                  <p:stCondLst>
+                                    <p:cond delay="0"/>
+                                  </p:stCondLst>
+                                  <p:childTnLst>
+                                    <p:set>
+                                      <p:cBhvr>
+                                        <p:cTn id="11" dur="1" fill="hold">
+                                          <p:stCondLst>
+                                            <p:cond delay="0"/>
+                                          </p:stCondLst>
+                                        </p:cTn>
+                                        <p:tgtEl>
+                                          <p:spTgt spid="3">
+                                            <p:txEl>
+                                              <p:pRg st="1" end="1"/>
+                                            </p:txEl>
+                                          </p:spTgt>
+                                        </p:tgtEl>
+                                        <p:attrNameLst>
+                                          <p:attrName>style.visibility</p:attrName>
+                                        </p:attrNameLst>
+                                      </p:cBhvr>
+                                      <p:to>
+                                        <p:strVal val="visible"/>
+                                      </p:to>
+                                    </p:set>
+                                    <p:animEffect transition="in" filter="fade">
+                                      <p:cBhvr>
+                                        <p:cTn id="12" dur="500"/>
+                                        <p:tgtEl>
+                                          <p:spTgt spid="3">
+                                            <p:txEl>
+                                              <p:pRg st="1" end="1"/>
+                                            </p:txEl>
+                                          </p:spTgt>
+                                        </p:tgtEl>
+                                      </p:cBhvr>
+                                    </p:animEffect>
+                                  </p:childTnLst>
+                                </p:cTn>
+                              </p:par>
+                            </p:childTnLst>
+                          </p:cTn>
+                        </p:par>
+                      </p:childTnLst>
+                    </p:cTn>
+                  </p:par>
+                  <p:par>
+                    <p:cTn id="13" fill="hold">
+                      <p:stCondLst>
+                        <p:cond delay="indefinite"/>
+                      </p:stCondLst>
+                      <p:childTnLst>
+                        <p:par>
+                          <p:cTn id="14" fill="hold">
+                            <p:stCondLst>
+                              <p:cond delay="0"/>
+                            </p:stCondLst>
+                            <p:childTnLst>
+                              <p:par>
+                                <p:cTn id="15" presetID="10" presetClass="entr" presetSubtype="0" fill="hold" grpId="0" nodeType="clickEffect">
+                                  <p:stCondLst>
+                                    <p:cond delay="0"/>
+                                  </p:stCondLst>
+                                  <p:childTnLst>
+                                    <p:set>
+                                      <p:cBhvr>
+                                        <p:cTn id="16" dur="1" fill="hold">
+                                          <p:stCondLst>
+                                            <p:cond delay="0"/>
+                                          </p:stCondLst>
+                                        </p:cTn>
+                                        <p:tgtEl>
+                                          <p:spTgt spid="3">
+                                            <p:txEl>
+                                              <p:pRg st="2" end="2"/>
+                                            </p:txEl>
+                                          </p:spTgt>
+                                        </p:tgtEl>
+                                        <p:attrNameLst>
+                                          <p:attrName>style.visibility</p:attrName>
+                                        </p:attrNameLst>
+                                      </p:cBhvr>
+                                      <p:to>
+                                        <p:strVal val="visible"/>
+                                      </p:to>
+                                    </p:set>
+                                    <p:animEffect transition="in" filter="fade">
+                                      <p:cBhvr>
+                                        <p:cTn id="17" dur="500"/>
+                                        <p:tgtEl>
+                                          <p:spTgt spid="3">
+                                            <p:txEl>
+                                              <p:pRg st="2" end="2"/>
+                                            </p:txEl>
+                                          </p:spTgt>
+                                        </p:tgtEl>
+                                      </p:cBhvr>
+                                    </p:animEffect>
+                                  </p:childTnLst>
+                                </p:cTn>
+                              </p:par>
+                            </p:childTnLst>
+                          </p:cTn>
+                        </p:par>
+                      </p:childTnLst>
+                    </p:cTn>
+                  </p:par>
+                </p:childTnLst>
+              </p:cTn>
+              <p:prevCondLst>
+                <p:cond evt="onPrev" delay="0">
+                  <p:tgtEl>
+                    <p:sldTgt/>
+                  </p:tgtEl>
+                </p:cond>
+              </p:prevCondLst>
+              <p:nextCondLst>
+                <p:cond evt="onNext" delay="0">
+                  <p:tgtEl>
+                    <p:sldTgt/>
+                  </p:tgtEl>
+                </p:cond>
+              </p:nextCondLst>
+            </p:seq>
+          </p:childTnLst>
+        </p:cTn>
       </p:par>
     </p:tnLst>
+    <p:bldLst>
+      <p:bldP spid="3" grpId="0" build="p"/>
+    </p:bldLst>
   </p:timing>
 </p:sld>
 </file>
@@ -8258,9 +10826,329 @@
   <p:timing>
     <p:tnLst>
       <p:par>
-        <p:cTn id="1" dur="indefinite" restart="never" nodeType="tmRoot"/>
+        <p:cTn id="1" dur="indefinite" restart="never" nodeType="tmRoot">
+          <p:childTnLst>
+            <p:seq concurrent="1" nextAc="seek">
+              <p:cTn id="2" dur="indefinite" nodeType="mainSeq">
+                <p:childTnLst>
+                  <p:par>
+                    <p:cTn id="3" fill="hold">
+                      <p:stCondLst>
+                        <p:cond delay="indefinite"/>
+                      </p:stCondLst>
+                      <p:childTnLst>
+                        <p:par>
+                          <p:cTn id="4" fill="hold">
+                            <p:stCondLst>
+                              <p:cond delay="0"/>
+                            </p:stCondLst>
+                            <p:childTnLst>
+                              <p:par>
+                                <p:cTn id="5" presetID="10" presetClass="entr" presetSubtype="0" fill="hold" grpId="0" nodeType="clickEffect">
+                                  <p:stCondLst>
+                                    <p:cond delay="0"/>
+                                  </p:stCondLst>
+                                  <p:childTnLst>
+                                    <p:set>
+                                      <p:cBhvr>
+                                        <p:cTn id="6" dur="1" fill="hold">
+                                          <p:stCondLst>
+                                            <p:cond delay="0"/>
+                                          </p:stCondLst>
+                                        </p:cTn>
+                                        <p:tgtEl>
+                                          <p:spTgt spid="3">
+                                            <p:txEl>
+                                              <p:pRg st="0" end="0"/>
+                                            </p:txEl>
+                                          </p:spTgt>
+                                        </p:tgtEl>
+                                        <p:attrNameLst>
+                                          <p:attrName>style.visibility</p:attrName>
+                                        </p:attrNameLst>
+                                      </p:cBhvr>
+                                      <p:to>
+                                        <p:strVal val="visible"/>
+                                      </p:to>
+                                    </p:set>
+                                    <p:animEffect transition="in" filter="fade">
+                                      <p:cBhvr>
+                                        <p:cTn id="7" dur="500"/>
+                                        <p:tgtEl>
+                                          <p:spTgt spid="3">
+                                            <p:txEl>
+                                              <p:pRg st="0" end="0"/>
+                                            </p:txEl>
+                                          </p:spTgt>
+                                        </p:tgtEl>
+                                      </p:cBhvr>
+                                    </p:animEffect>
+                                  </p:childTnLst>
+                                </p:cTn>
+                              </p:par>
+                            </p:childTnLst>
+                          </p:cTn>
+                        </p:par>
+                      </p:childTnLst>
+                    </p:cTn>
+                  </p:par>
+                  <p:par>
+                    <p:cTn id="8" fill="hold">
+                      <p:stCondLst>
+                        <p:cond delay="indefinite"/>
+                      </p:stCondLst>
+                      <p:childTnLst>
+                        <p:par>
+                          <p:cTn id="9" fill="hold">
+                            <p:stCondLst>
+                              <p:cond delay="0"/>
+                            </p:stCondLst>
+                            <p:childTnLst>
+                              <p:par>
+                                <p:cTn id="10" presetID="10" presetClass="entr" presetSubtype="0" fill="hold" grpId="0" nodeType="clickEffect">
+                                  <p:stCondLst>
+                                    <p:cond delay="0"/>
+                                  </p:stCondLst>
+                                  <p:childTnLst>
+                                    <p:set>
+                                      <p:cBhvr>
+                                        <p:cTn id="11" dur="1" fill="hold">
+                                          <p:stCondLst>
+                                            <p:cond delay="0"/>
+                                          </p:stCondLst>
+                                        </p:cTn>
+                                        <p:tgtEl>
+                                          <p:spTgt spid="3">
+                                            <p:txEl>
+                                              <p:pRg st="1" end="1"/>
+                                            </p:txEl>
+                                          </p:spTgt>
+                                        </p:tgtEl>
+                                        <p:attrNameLst>
+                                          <p:attrName>style.visibility</p:attrName>
+                                        </p:attrNameLst>
+                                      </p:cBhvr>
+                                      <p:to>
+                                        <p:strVal val="visible"/>
+                                      </p:to>
+                                    </p:set>
+                                    <p:animEffect transition="in" filter="fade">
+                                      <p:cBhvr>
+                                        <p:cTn id="12" dur="500"/>
+                                        <p:tgtEl>
+                                          <p:spTgt spid="3">
+                                            <p:txEl>
+                                              <p:pRg st="1" end="1"/>
+                                            </p:txEl>
+                                          </p:spTgt>
+                                        </p:tgtEl>
+                                      </p:cBhvr>
+                                    </p:animEffect>
+                                  </p:childTnLst>
+                                </p:cTn>
+                              </p:par>
+                              <p:par>
+                                <p:cTn id="13" presetID="10" presetClass="entr" presetSubtype="0" fill="hold" grpId="0" nodeType="withEffect">
+                                  <p:stCondLst>
+                                    <p:cond delay="0"/>
+                                  </p:stCondLst>
+                                  <p:childTnLst>
+                                    <p:set>
+                                      <p:cBhvr>
+                                        <p:cTn id="14" dur="1" fill="hold">
+                                          <p:stCondLst>
+                                            <p:cond delay="0"/>
+                                          </p:stCondLst>
+                                        </p:cTn>
+                                        <p:tgtEl>
+                                          <p:spTgt spid="3">
+                                            <p:txEl>
+                                              <p:pRg st="2" end="2"/>
+                                            </p:txEl>
+                                          </p:spTgt>
+                                        </p:tgtEl>
+                                        <p:attrNameLst>
+                                          <p:attrName>style.visibility</p:attrName>
+                                        </p:attrNameLst>
+                                      </p:cBhvr>
+                                      <p:to>
+                                        <p:strVal val="visible"/>
+                                      </p:to>
+                                    </p:set>
+                                    <p:animEffect transition="in" filter="fade">
+                                      <p:cBhvr>
+                                        <p:cTn id="15" dur="500"/>
+                                        <p:tgtEl>
+                                          <p:spTgt spid="3">
+                                            <p:txEl>
+                                              <p:pRg st="2" end="2"/>
+                                            </p:txEl>
+                                          </p:spTgt>
+                                        </p:tgtEl>
+                                      </p:cBhvr>
+                                    </p:animEffect>
+                                  </p:childTnLst>
+                                </p:cTn>
+                              </p:par>
+                              <p:par>
+                                <p:cTn id="16" presetID="10" presetClass="entr" presetSubtype="0" fill="hold" grpId="0" nodeType="withEffect">
+                                  <p:stCondLst>
+                                    <p:cond delay="0"/>
+                                  </p:stCondLst>
+                                  <p:childTnLst>
+                                    <p:set>
+                                      <p:cBhvr>
+                                        <p:cTn id="17" dur="1" fill="hold">
+                                          <p:stCondLst>
+                                            <p:cond delay="0"/>
+                                          </p:stCondLst>
+                                        </p:cTn>
+                                        <p:tgtEl>
+                                          <p:spTgt spid="3">
+                                            <p:txEl>
+                                              <p:pRg st="3" end="3"/>
+                                            </p:txEl>
+                                          </p:spTgt>
+                                        </p:tgtEl>
+                                        <p:attrNameLst>
+                                          <p:attrName>style.visibility</p:attrName>
+                                        </p:attrNameLst>
+                                      </p:cBhvr>
+                                      <p:to>
+                                        <p:strVal val="visible"/>
+                                      </p:to>
+                                    </p:set>
+                                    <p:animEffect transition="in" filter="fade">
+                                      <p:cBhvr>
+                                        <p:cTn id="18" dur="500"/>
+                                        <p:tgtEl>
+                                          <p:spTgt spid="3">
+                                            <p:txEl>
+                                              <p:pRg st="3" end="3"/>
+                                            </p:txEl>
+                                          </p:spTgt>
+                                        </p:tgtEl>
+                                      </p:cBhvr>
+                                    </p:animEffect>
+                                  </p:childTnLst>
+                                </p:cTn>
+                              </p:par>
+                              <p:par>
+                                <p:cTn id="19" presetID="10" presetClass="entr" presetSubtype="0" fill="hold" grpId="0" nodeType="withEffect">
+                                  <p:stCondLst>
+                                    <p:cond delay="0"/>
+                                  </p:stCondLst>
+                                  <p:childTnLst>
+                                    <p:set>
+                                      <p:cBhvr>
+                                        <p:cTn id="20" dur="1" fill="hold">
+                                          <p:stCondLst>
+                                            <p:cond delay="0"/>
+                                          </p:stCondLst>
+                                        </p:cTn>
+                                        <p:tgtEl>
+                                          <p:spTgt spid="3">
+                                            <p:txEl>
+                                              <p:pRg st="4" end="4"/>
+                                            </p:txEl>
+                                          </p:spTgt>
+                                        </p:tgtEl>
+                                        <p:attrNameLst>
+                                          <p:attrName>style.visibility</p:attrName>
+                                        </p:attrNameLst>
+                                      </p:cBhvr>
+                                      <p:to>
+                                        <p:strVal val="visible"/>
+                                      </p:to>
+                                    </p:set>
+                                    <p:animEffect transition="in" filter="fade">
+                                      <p:cBhvr>
+                                        <p:cTn id="21" dur="500"/>
+                                        <p:tgtEl>
+                                          <p:spTgt spid="3">
+                                            <p:txEl>
+                                              <p:pRg st="4" end="4"/>
+                                            </p:txEl>
+                                          </p:spTgt>
+                                        </p:tgtEl>
+                                      </p:cBhvr>
+                                    </p:animEffect>
+                                  </p:childTnLst>
+                                </p:cTn>
+                              </p:par>
+                              <p:par>
+                                <p:cTn id="22" presetID="10" presetClass="entr" presetSubtype="0" fill="hold" grpId="0" nodeType="withEffect">
+                                  <p:stCondLst>
+                                    <p:cond delay="0"/>
+                                  </p:stCondLst>
+                                  <p:childTnLst>
+                                    <p:set>
+                                      <p:cBhvr>
+                                        <p:cTn id="23" dur="1" fill="hold">
+                                          <p:stCondLst>
+                                            <p:cond delay="0"/>
+                                          </p:stCondLst>
+                                        </p:cTn>
+                                        <p:tgtEl>
+                                          <p:spTgt spid="3">
+                                            <p:txEl>
+                                              <p:pRg st="5" end="5"/>
+                                            </p:txEl>
+                                          </p:spTgt>
+                                        </p:tgtEl>
+                                        <p:attrNameLst>
+                                          <p:attrName>style.visibility</p:attrName>
+                                        </p:attrNameLst>
+                                      </p:cBhvr>
+                                      <p:to>
+                                        <p:strVal val="visible"/>
+                                      </p:to>
+                                    </p:set>
+                                    <p:animEffect transition="in" filter="fade">
+                                      <p:cBhvr>
+                                        <p:cTn id="24" dur="500"/>
+                                        <p:tgtEl>
+                                          <p:spTgt spid="3">
+                                            <p:txEl>
+                                              <p:pRg st="5" end="5"/>
+                                            </p:txEl>
+                                          </p:spTgt>
+                                        </p:tgtEl>
+                                      </p:cBhvr>
+                                    </p:animEffect>
+                                  </p:childTnLst>
+                                </p:cTn>
+                              </p:par>
+                            </p:childTnLst>
+                          </p:cTn>
+                        </p:par>
+                      </p:childTnLst>
+                    </p:cTn>
+                  </p:par>
+                </p:childTnLst>
+              </p:cTn>
+              <p:prevCondLst>
+                <p:cond evt="onPrev" delay="0">
+                  <p:tgtEl>
+                    <p:sldTgt/>
+                  </p:tgtEl>
+                </p:cond>
+              </p:prevCondLst>
+              <p:nextCondLst>
+                <p:cond evt="onNext" delay="0">
+                  <p:tgtEl>
+                    <p:sldTgt/>
+                  </p:tgtEl>
+                </p:cond>
+              </p:nextCondLst>
+            </p:seq>
+          </p:childTnLst>
+        </p:cTn>
       </p:par>
     </p:tnLst>
+    <p:bldLst>
+      <p:bldP spid="3" grpId="0" build="p"/>
+    </p:bldLst>
   </p:timing>
 </p:sld>
 </file>
@@ -8492,41 +11380,216 @@
             </a:r>
             <a:r>
               <a:rPr lang="en-US" dirty="0" smtClean="0"/>
+              <a:t> Server – </a:t>
+            </a:r>
+            <a:r>
+              <a:rPr lang="en-US" dirty="0" err="1" smtClean="0"/>
+              <a:t>Xử</a:t>
+            </a:r>
+            <a:r>
+              <a:rPr lang="en-US" dirty="0" smtClean="0"/>
               <a:t> </a:t>
             </a:r>
             <a:r>
               <a:rPr lang="en-US" dirty="0" err="1" smtClean="0"/>
-              <a:t>Arduino</a:t>
+              <a:t>lý</a:t>
+            </a:r>
+            <a:r>
+              <a:rPr lang="en-US" dirty="0" smtClean="0"/>
+              <a:t> </a:t>
+            </a:r>
+            <a:r>
+              <a:rPr lang="en-US" dirty="0" err="1" smtClean="0"/>
+              <a:t>ảnh</a:t>
+            </a:r>
+            <a:r>
+              <a:rPr lang="en-US" dirty="0" smtClean="0"/>
+              <a:t> </a:t>
             </a:r>
             <a:endParaRPr lang="en-US" dirty="0"/>
           </a:p>
         </p:txBody>
       </p:sp>
-      <p:sp>
-        <p:nvSpPr>
-          <p:cNvPr id="3" name="Content Placeholder 2"/>
-          <p:cNvSpPr>
-            <a:spLocks noGrp="1"/>
-          </p:cNvSpPr>
+      <p:pic>
+        <p:nvPicPr>
+          <p:cNvPr id="4" name="Content Placeholder 3"/>
+          <p:cNvPicPr>
+            <a:picLocks noGrp="1" noChangeAspect="1"/>
+          </p:cNvPicPr>
           <p:nvPr>
             <p:ph idx="1"/>
           </p:nvPr>
-        </p:nvSpPr>
-        <p:spPr/>
-        <p:txBody>
-          <a:bodyPr>
-            <a:normAutofit/>
-          </a:bodyPr>
-          <a:lstStyle/>
-          <a:p>
-            <a:endParaRPr lang="en-US" sz="3600" dirty="0"/>
-          </a:p>
-        </p:txBody>
-      </p:sp>
+        </p:nvPicPr>
+        <p:blipFill>
+          <a:blip r:embed="rId5"/>
+          <a:stretch>
+            <a:fillRect/>
+          </a:stretch>
+        </p:blipFill>
+        <p:spPr>
+          <a:xfrm>
+            <a:off x="838200" y="1722509"/>
+            <a:ext cx="4686300" cy="3800475"/>
+          </a:xfrm>
+          <a:prstGeom prst="rect">
+            <a:avLst/>
+          </a:prstGeom>
+        </p:spPr>
+      </p:pic>
+      <p:pic>
+        <p:nvPicPr>
+          <p:cNvPr id="7" name="Picture 6"/>
+          <p:cNvPicPr>
+            <a:picLocks noChangeAspect="1"/>
+          </p:cNvPicPr>
+          <p:nvPr/>
+        </p:nvPicPr>
+        <p:blipFill>
+          <a:blip r:embed="rId6"/>
+          <a:stretch>
+            <a:fillRect/>
+          </a:stretch>
+        </p:blipFill>
+        <p:spPr>
+          <a:xfrm>
+            <a:off x="6515100" y="1690688"/>
+            <a:ext cx="4686300" cy="3857625"/>
+          </a:xfrm>
+          <a:prstGeom prst="rect">
+            <a:avLst/>
+          </a:prstGeom>
+        </p:spPr>
+      </p:pic>
+      <p:pic>
+        <p:nvPicPr>
+          <p:cNvPr id="8" name="Picture 7"/>
+          <p:cNvPicPr>
+            <a:picLocks noChangeAspect="1"/>
+          </p:cNvPicPr>
+          <p:nvPr/>
+        </p:nvPicPr>
+        <p:blipFill>
+          <a:blip r:embed="rId7"/>
+          <a:stretch>
+            <a:fillRect/>
+          </a:stretch>
+        </p:blipFill>
+        <p:spPr>
+          <a:xfrm>
+            <a:off x="819150" y="1701799"/>
+            <a:ext cx="4705350" cy="3876675"/>
+          </a:xfrm>
+          <a:prstGeom prst="rect">
+            <a:avLst/>
+          </a:prstGeom>
+        </p:spPr>
+      </p:pic>
+      <p:pic>
+        <p:nvPicPr>
+          <p:cNvPr id="10" name="Picture 9"/>
+          <p:cNvPicPr>
+            <a:picLocks noChangeAspect="1"/>
+          </p:cNvPicPr>
+          <p:nvPr/>
+        </p:nvPicPr>
+        <p:blipFill>
+          <a:blip r:embed="rId8">
+            <a:extLst>
+              <a:ext uri="{28A0092B-C50C-407E-A947-70E740481C1C}">
+                <a14:useLocalDpi xmlns:a14="http://schemas.microsoft.com/office/drawing/2010/main" val="0"/>
+              </a:ext>
+            </a:extLst>
+          </a:blip>
+          <a:stretch>
+            <a:fillRect/>
+          </a:stretch>
+        </p:blipFill>
+        <p:spPr>
+          <a:xfrm>
+            <a:off x="6515100" y="1680638"/>
+            <a:ext cx="4922524" cy="3842346"/>
+          </a:xfrm>
+          <a:prstGeom prst="rect">
+            <a:avLst/>
+          </a:prstGeom>
+        </p:spPr>
+      </p:pic>
+      <p:pic>
+        <p:nvPicPr>
+          <p:cNvPr id="12" name="Picture 11"/>
+          <p:cNvPicPr>
+            <a:picLocks noChangeAspect="1"/>
+          </p:cNvPicPr>
+          <p:nvPr/>
+        </p:nvPicPr>
+        <p:blipFill>
+          <a:blip r:embed="rId9"/>
+          <a:stretch>
+            <a:fillRect/>
+          </a:stretch>
+        </p:blipFill>
+        <p:spPr>
+          <a:xfrm>
+            <a:off x="838201" y="1700659"/>
+            <a:ext cx="4841874" cy="3877816"/>
+          </a:xfrm>
+          <a:prstGeom prst="rect">
+            <a:avLst/>
+          </a:prstGeom>
+        </p:spPr>
+      </p:pic>
+      <p:pic>
+        <p:nvPicPr>
+          <p:cNvPr id="13" name="Picture 12"/>
+          <p:cNvPicPr>
+            <a:picLocks noChangeAspect="1"/>
+          </p:cNvPicPr>
+          <p:nvPr/>
+        </p:nvPicPr>
+        <p:blipFill>
+          <a:blip r:embed="rId10"/>
+          <a:stretch>
+            <a:fillRect/>
+          </a:stretch>
+        </p:blipFill>
+        <p:spPr>
+          <a:xfrm>
+            <a:off x="6515100" y="1690688"/>
+            <a:ext cx="4810292" cy="3832296"/>
+          </a:xfrm>
+          <a:prstGeom prst="rect">
+            <a:avLst/>
+          </a:prstGeom>
+        </p:spPr>
+      </p:pic>
+      <p:pic>
+        <p:nvPicPr>
+          <p:cNvPr id="14" name="Picture 13"/>
+          <p:cNvPicPr>
+            <a:picLocks noChangeAspect="1"/>
+          </p:cNvPicPr>
+          <p:nvPr/>
+        </p:nvPicPr>
+        <p:blipFill>
+          <a:blip r:embed="rId11"/>
+          <a:stretch>
+            <a:fillRect/>
+          </a:stretch>
+        </p:blipFill>
+        <p:spPr>
+          <a:xfrm>
+            <a:off x="6515100" y="1700659"/>
+            <a:ext cx="4941812" cy="3858149"/>
+          </a:xfrm>
+          <a:prstGeom prst="rect">
+            <a:avLst/>
+          </a:prstGeom>
+        </p:spPr>
+      </p:pic>
     </p:spTree>
     <p:extLst>
       <p:ext uri="{BB962C8B-B14F-4D97-AF65-F5344CB8AC3E}">
-        <p14:creationId xmlns:p14="http://schemas.microsoft.com/office/powerpoint/2010/main" val="1401725706"/>
+        <p14:creationId xmlns:p14="http://schemas.microsoft.com/office/powerpoint/2010/main" val="210020013"/>
       </p:ext>
     </p:extLst>
   </p:cSld>
@@ -8536,7 +11599,392 @@
   <p:timing>
     <p:tnLst>
       <p:par>
-        <p:cTn id="1" dur="indefinite" restart="never" nodeType="tmRoot"/>
+        <p:cTn id="1" dur="indefinite" restart="never" nodeType="tmRoot">
+          <p:childTnLst>
+            <p:seq concurrent="1" nextAc="seek">
+              <p:cTn id="2" dur="indefinite" nodeType="mainSeq">
+                <p:childTnLst>
+                  <p:par>
+                    <p:cTn id="3" fill="hold">
+                      <p:stCondLst>
+                        <p:cond delay="indefinite"/>
+                      </p:stCondLst>
+                      <p:childTnLst>
+                        <p:par>
+                          <p:cTn id="4" fill="hold">
+                            <p:stCondLst>
+                              <p:cond delay="0"/>
+                            </p:stCondLst>
+                            <p:childTnLst>
+                              <p:par>
+                                <p:cTn id="5" presetID="10" presetClass="entr" presetSubtype="0" fill="hold" nodeType="clickEffect">
+                                  <p:stCondLst>
+                                    <p:cond delay="0"/>
+                                  </p:stCondLst>
+                                  <p:childTnLst>
+                                    <p:set>
+                                      <p:cBhvr>
+                                        <p:cTn id="6" dur="1" fill="hold">
+                                          <p:stCondLst>
+                                            <p:cond delay="0"/>
+                                          </p:stCondLst>
+                                        </p:cTn>
+                                        <p:tgtEl>
+                                          <p:spTgt spid="4"/>
+                                        </p:tgtEl>
+                                        <p:attrNameLst>
+                                          <p:attrName>style.visibility</p:attrName>
+                                        </p:attrNameLst>
+                                      </p:cBhvr>
+                                      <p:to>
+                                        <p:strVal val="visible"/>
+                                      </p:to>
+                                    </p:set>
+                                    <p:animEffect transition="in" filter="fade">
+                                      <p:cBhvr>
+                                        <p:cTn id="7" dur="500"/>
+                                        <p:tgtEl>
+                                          <p:spTgt spid="4"/>
+                                        </p:tgtEl>
+                                      </p:cBhvr>
+                                    </p:animEffect>
+                                  </p:childTnLst>
+                                </p:cTn>
+                              </p:par>
+                            </p:childTnLst>
+                          </p:cTn>
+                        </p:par>
+                      </p:childTnLst>
+                    </p:cTn>
+                  </p:par>
+                  <p:par>
+                    <p:cTn id="8" fill="hold">
+                      <p:stCondLst>
+                        <p:cond delay="indefinite"/>
+                      </p:stCondLst>
+                      <p:childTnLst>
+                        <p:par>
+                          <p:cTn id="9" fill="hold">
+                            <p:stCondLst>
+                              <p:cond delay="0"/>
+                            </p:stCondLst>
+                            <p:childTnLst>
+                              <p:par>
+                                <p:cTn id="10" presetID="10" presetClass="entr" presetSubtype="0" fill="hold" nodeType="clickEffect">
+                                  <p:stCondLst>
+                                    <p:cond delay="0"/>
+                                  </p:stCondLst>
+                                  <p:childTnLst>
+                                    <p:set>
+                                      <p:cBhvr>
+                                        <p:cTn id="11" dur="1" fill="hold">
+                                          <p:stCondLst>
+                                            <p:cond delay="0"/>
+                                          </p:stCondLst>
+                                        </p:cTn>
+                                        <p:tgtEl>
+                                          <p:spTgt spid="7"/>
+                                        </p:tgtEl>
+                                        <p:attrNameLst>
+                                          <p:attrName>style.visibility</p:attrName>
+                                        </p:attrNameLst>
+                                      </p:cBhvr>
+                                      <p:to>
+                                        <p:strVal val="visible"/>
+                                      </p:to>
+                                    </p:set>
+                                    <p:animEffect transition="in" filter="fade">
+                                      <p:cBhvr>
+                                        <p:cTn id="12" dur="500"/>
+                                        <p:tgtEl>
+                                          <p:spTgt spid="7"/>
+                                        </p:tgtEl>
+                                      </p:cBhvr>
+                                    </p:animEffect>
+                                  </p:childTnLst>
+                                </p:cTn>
+                              </p:par>
+                            </p:childTnLst>
+                          </p:cTn>
+                        </p:par>
+                      </p:childTnLst>
+                    </p:cTn>
+                  </p:par>
+                  <p:par>
+                    <p:cTn id="13" fill="hold">
+                      <p:stCondLst>
+                        <p:cond delay="indefinite"/>
+                      </p:stCondLst>
+                      <p:childTnLst>
+                        <p:par>
+                          <p:cTn id="14" fill="hold">
+                            <p:stCondLst>
+                              <p:cond delay="0"/>
+                            </p:stCondLst>
+                            <p:childTnLst>
+                              <p:par>
+                                <p:cTn id="15" presetID="10" presetClass="entr" presetSubtype="0" fill="hold" nodeType="clickEffect">
+                                  <p:stCondLst>
+                                    <p:cond delay="0"/>
+                                  </p:stCondLst>
+                                  <p:childTnLst>
+                                    <p:set>
+                                      <p:cBhvr>
+                                        <p:cTn id="16" dur="1" fill="hold">
+                                          <p:stCondLst>
+                                            <p:cond delay="0"/>
+                                          </p:stCondLst>
+                                        </p:cTn>
+                                        <p:tgtEl>
+                                          <p:spTgt spid="8"/>
+                                        </p:tgtEl>
+                                        <p:attrNameLst>
+                                          <p:attrName>style.visibility</p:attrName>
+                                        </p:attrNameLst>
+                                      </p:cBhvr>
+                                      <p:to>
+                                        <p:strVal val="visible"/>
+                                      </p:to>
+                                    </p:set>
+                                    <p:animEffect transition="in" filter="fade">
+                                      <p:cBhvr>
+                                        <p:cTn id="17" dur="500"/>
+                                        <p:tgtEl>
+                                          <p:spTgt spid="8"/>
+                                        </p:tgtEl>
+                                      </p:cBhvr>
+                                    </p:animEffect>
+                                  </p:childTnLst>
+                                </p:cTn>
+                              </p:par>
+                            </p:childTnLst>
+                          </p:cTn>
+                        </p:par>
+                      </p:childTnLst>
+                    </p:cTn>
+                  </p:par>
+                  <p:par>
+                    <p:cTn id="18" fill="hold">
+                      <p:stCondLst>
+                        <p:cond delay="indefinite"/>
+                      </p:stCondLst>
+                      <p:childTnLst>
+                        <p:par>
+                          <p:cTn id="19" fill="hold">
+                            <p:stCondLst>
+                              <p:cond delay="0"/>
+                            </p:stCondLst>
+                            <p:childTnLst>
+                              <p:par>
+                                <p:cTn id="20" presetID="10" presetClass="entr" presetSubtype="0" fill="hold" nodeType="clickEffect">
+                                  <p:stCondLst>
+                                    <p:cond delay="0"/>
+                                  </p:stCondLst>
+                                  <p:childTnLst>
+                                    <p:set>
+                                      <p:cBhvr>
+                                        <p:cTn id="21" dur="1" fill="hold">
+                                          <p:stCondLst>
+                                            <p:cond delay="0"/>
+                                          </p:stCondLst>
+                                        </p:cTn>
+                                        <p:tgtEl>
+                                          <p:spTgt spid="10"/>
+                                        </p:tgtEl>
+                                        <p:attrNameLst>
+                                          <p:attrName>style.visibility</p:attrName>
+                                        </p:attrNameLst>
+                                      </p:cBhvr>
+                                      <p:to>
+                                        <p:strVal val="visible"/>
+                                      </p:to>
+                                    </p:set>
+                                    <p:animEffect transition="in" filter="fade">
+                                      <p:cBhvr>
+                                        <p:cTn id="22" dur="500"/>
+                                        <p:tgtEl>
+                                          <p:spTgt spid="10"/>
+                                        </p:tgtEl>
+                                      </p:cBhvr>
+                                    </p:animEffect>
+                                  </p:childTnLst>
+                                </p:cTn>
+                              </p:par>
+                            </p:childTnLst>
+                          </p:cTn>
+                        </p:par>
+                      </p:childTnLst>
+                    </p:cTn>
+                  </p:par>
+                  <p:par>
+                    <p:cTn id="23" fill="hold">
+                      <p:stCondLst>
+                        <p:cond delay="indefinite"/>
+                      </p:stCondLst>
+                      <p:childTnLst>
+                        <p:par>
+                          <p:cTn id="24" fill="hold">
+                            <p:stCondLst>
+                              <p:cond delay="0"/>
+                            </p:stCondLst>
+                            <p:childTnLst>
+                              <p:par>
+                                <p:cTn id="25" presetID="10" presetClass="entr" presetSubtype="0" fill="hold" nodeType="clickEffect">
+                                  <p:stCondLst>
+                                    <p:cond delay="0"/>
+                                  </p:stCondLst>
+                                  <p:childTnLst>
+                                    <p:set>
+                                      <p:cBhvr>
+                                        <p:cTn id="26" dur="1" fill="hold">
+                                          <p:stCondLst>
+                                            <p:cond delay="0"/>
+                                          </p:stCondLst>
+                                        </p:cTn>
+                                        <p:tgtEl>
+                                          <p:spTgt spid="13"/>
+                                        </p:tgtEl>
+                                        <p:attrNameLst>
+                                          <p:attrName>style.visibility</p:attrName>
+                                        </p:attrNameLst>
+                                      </p:cBhvr>
+                                      <p:to>
+                                        <p:strVal val="visible"/>
+                                      </p:to>
+                                    </p:set>
+                                    <p:animEffect transition="in" filter="fade">
+                                      <p:cBhvr>
+                                        <p:cTn id="27" dur="500"/>
+                                        <p:tgtEl>
+                                          <p:spTgt spid="13"/>
+                                        </p:tgtEl>
+                                      </p:cBhvr>
+                                    </p:animEffect>
+                                  </p:childTnLst>
+                                </p:cTn>
+                              </p:par>
+                            </p:childTnLst>
+                          </p:cTn>
+                        </p:par>
+                        <p:par>
+                          <p:cTn id="28" fill="hold">
+                            <p:stCondLst>
+                              <p:cond delay="500"/>
+                            </p:stCondLst>
+                            <p:childTnLst>
+                              <p:par>
+                                <p:cTn id="29" presetID="10" presetClass="entr" presetSubtype="0" fill="hold" nodeType="afterEffect">
+                                  <p:stCondLst>
+                                    <p:cond delay="0"/>
+                                  </p:stCondLst>
+                                  <p:childTnLst>
+                                    <p:set>
+                                      <p:cBhvr>
+                                        <p:cTn id="30" dur="1" fill="hold">
+                                          <p:stCondLst>
+                                            <p:cond delay="0"/>
+                                          </p:stCondLst>
+                                        </p:cTn>
+                                        <p:tgtEl>
+                                          <p:spTgt spid="12"/>
+                                        </p:tgtEl>
+                                        <p:attrNameLst>
+                                          <p:attrName>style.visibility</p:attrName>
+                                        </p:attrNameLst>
+                                      </p:cBhvr>
+                                      <p:to>
+                                        <p:strVal val="visible"/>
+                                      </p:to>
+                                    </p:set>
+                                    <p:animEffect transition="in" filter="fade">
+                                      <p:cBhvr>
+                                        <p:cTn id="31" dur="500"/>
+                                        <p:tgtEl>
+                                          <p:spTgt spid="12"/>
+                                        </p:tgtEl>
+                                      </p:cBhvr>
+                                    </p:animEffect>
+                                  </p:childTnLst>
+                                </p:cTn>
+                              </p:par>
+                            </p:childTnLst>
+                          </p:cTn>
+                        </p:par>
+                      </p:childTnLst>
+                    </p:cTn>
+                  </p:par>
+                  <p:par>
+                    <p:cTn id="32" fill="hold">
+                      <p:stCondLst>
+                        <p:cond delay="indefinite"/>
+                      </p:stCondLst>
+                      <p:childTnLst>
+                        <p:par>
+                          <p:cTn id="33" fill="hold">
+                            <p:stCondLst>
+                              <p:cond delay="0"/>
+                            </p:stCondLst>
+                            <p:childTnLst>
+                              <p:par>
+                                <p:cTn id="34" presetID="10" presetClass="entr" presetSubtype="0" fill="hold" nodeType="clickEffect">
+                                  <p:stCondLst>
+                                    <p:cond delay="0"/>
+                                  </p:stCondLst>
+                                  <p:childTnLst>
+                                    <p:set>
+                                      <p:cBhvr>
+                                        <p:cTn id="35" dur="1" fill="hold">
+                                          <p:stCondLst>
+                                            <p:cond delay="0"/>
+                                          </p:stCondLst>
+                                        </p:cTn>
+                                        <p:tgtEl>
+                                          <p:spTgt spid="14"/>
+                                        </p:tgtEl>
+                                        <p:attrNameLst>
+                                          <p:attrName>style.visibility</p:attrName>
+                                        </p:attrNameLst>
+                                      </p:cBhvr>
+                                      <p:to>
+                                        <p:strVal val="visible"/>
+                                      </p:to>
+                                    </p:set>
+                                    <p:animEffect transition="in" filter="fade">
+                                      <p:cBhvr>
+                                        <p:cTn id="36" dur="500"/>
+                                        <p:tgtEl>
+                                          <p:spTgt spid="14"/>
+                                        </p:tgtEl>
+                                      </p:cBhvr>
+                                    </p:animEffect>
+                                  </p:childTnLst>
+                                </p:cTn>
+                              </p:par>
+                            </p:childTnLst>
+                          </p:cTn>
+                        </p:par>
+                      </p:childTnLst>
+                    </p:cTn>
+                  </p:par>
+                </p:childTnLst>
+              </p:cTn>
+              <p:prevCondLst>
+                <p:cond evt="onPrev" delay="0">
+                  <p:tgtEl>
+                    <p:sldTgt/>
+                  </p:tgtEl>
+                </p:cond>
+              </p:prevCondLst>
+              <p:nextCondLst>
+                <p:cond evt="onNext" delay="0">
+                  <p:tgtEl>
+                    <p:sldTgt/>
+                  </p:tgtEl>
+                </p:cond>
+              </p:nextCondLst>
+            </p:seq>
+          </p:childTnLst>
+        </p:cTn>
       </p:par>
     </p:tnLst>
   </p:timing>
